--- a/PIMON-2023/PIMON-2023_CIC.pptx
+++ b/PIMON-2023/PIMON-2023_CIC.pptx
@@ -6,9 +6,24 @@
   </p:sldMasterIdLst>
   <p:sldIdLst>
     <p:sldId id="256" r:id="rId2"/>
-    <p:sldId id="264" r:id="rId3"/>
-    <p:sldId id="265" r:id="rId4"/>
-    <p:sldId id="261" r:id="rId5"/>
+    <p:sldId id="266" r:id="rId3"/>
+    <p:sldId id="267" r:id="rId4"/>
+    <p:sldId id="268" r:id="rId5"/>
+    <p:sldId id="269" r:id="rId6"/>
+    <p:sldId id="270" r:id="rId7"/>
+    <p:sldId id="272" r:id="rId8"/>
+    <p:sldId id="271" r:id="rId9"/>
+    <p:sldId id="273" r:id="rId10"/>
+    <p:sldId id="278" r:id="rId11"/>
+    <p:sldId id="276" r:id="rId12"/>
+    <p:sldId id="277" r:id="rId13"/>
+    <p:sldId id="279" r:id="rId14"/>
+    <p:sldId id="275" r:id="rId15"/>
+    <p:sldId id="280" r:id="rId16"/>
+    <p:sldId id="281" r:id="rId17"/>
+    <p:sldId id="274" r:id="rId18"/>
+    <p:sldId id="265" r:id="rId19"/>
+    <p:sldId id="261" r:id="rId20"/>
   </p:sldIdLst>
   <p:sldSz cx="12192000" cy="6858000"/>
   <p:notesSz cx="6858000" cy="9144000"/>
@@ -361,7 +376,7 @@
             <a:fld id="{B61BEF0D-F0BB-DE4B-95CE-6DB70DBA9567}" type="datetimeFigureOut">
               <a:rPr lang="en-US" dirty="0"/>
               <a:pPr/>
-              <a:t>9/7/2023</a:t>
+              <a:t>9/8/2023</a:t>
             </a:fld>
             <a:endParaRPr lang="en-US" dirty="0"/>
           </a:p>
@@ -620,7 +635,7 @@
             <a:fld id="{B61BEF0D-F0BB-DE4B-95CE-6DB70DBA9567}" type="datetimeFigureOut">
               <a:rPr lang="en-US" dirty="0"/>
               <a:pPr/>
-              <a:t>9/7/2023</a:t>
+              <a:t>9/8/2023</a:t>
             </a:fld>
             <a:endParaRPr lang="en-US" dirty="0"/>
           </a:p>
@@ -852,7 +867,7 @@
             <a:fld id="{B61BEF0D-F0BB-DE4B-95CE-6DB70DBA9567}" type="datetimeFigureOut">
               <a:rPr lang="en-US" dirty="0"/>
               <a:pPr/>
-              <a:t>9/7/2023</a:t>
+              <a:t>9/8/2023</a:t>
             </a:fld>
             <a:endParaRPr lang="en-US" dirty="0"/>
           </a:p>
@@ -1089,7 +1104,7 @@
             <a:fld id="{B61BEF0D-F0BB-DE4B-95CE-6DB70DBA9567}" type="datetimeFigureOut">
               <a:rPr lang="en-US" dirty="0"/>
               <a:pPr/>
-              <a:t>9/7/2023</a:t>
+              <a:t>9/8/2023</a:t>
             </a:fld>
             <a:endParaRPr lang="en-US" dirty="0"/>
           </a:p>
@@ -1393,7 +1408,7 @@
             <a:fld id="{B61BEF0D-F0BB-DE4B-95CE-6DB70DBA9567}" type="datetimeFigureOut">
               <a:rPr lang="en-US" dirty="0"/>
               <a:pPr/>
-              <a:t>9/7/2023</a:t>
+              <a:t>9/8/2023</a:t>
             </a:fld>
             <a:endParaRPr lang="en-US" dirty="0"/>
           </a:p>
@@ -1692,7 +1707,7 @@
             <a:fld id="{B61BEF0D-F0BB-DE4B-95CE-6DB70DBA9567}" type="datetimeFigureOut">
               <a:rPr lang="en-US" dirty="0"/>
               <a:pPr/>
-              <a:t>9/7/2023</a:t>
+              <a:t>9/8/2023</a:t>
             </a:fld>
             <a:endParaRPr lang="en-US" dirty="0"/>
           </a:p>
@@ -2111,7 +2126,7 @@
             <a:fld id="{B61BEF0D-F0BB-DE4B-95CE-6DB70DBA9567}" type="datetimeFigureOut">
               <a:rPr lang="en-US" dirty="0"/>
               <a:pPr/>
-              <a:t>9/7/2023</a:t>
+              <a:t>9/8/2023</a:t>
             </a:fld>
             <a:endParaRPr lang="en-US" dirty="0"/>
           </a:p>
@@ -2270,7 +2285,7 @@
             <a:fld id="{B61BEF0D-F0BB-DE4B-95CE-6DB70DBA9567}" type="datetimeFigureOut">
               <a:rPr lang="en-US" dirty="0"/>
               <a:pPr/>
-              <a:t>9/7/2023</a:t>
+              <a:t>9/8/2023</a:t>
             </a:fld>
             <a:endParaRPr lang="en-US" dirty="0"/>
           </a:p>
@@ -2362,7 +2377,7 @@
             <a:fld id="{B61BEF0D-F0BB-DE4B-95CE-6DB70DBA9567}" type="datetimeFigureOut">
               <a:rPr lang="en-US" dirty="0"/>
               <a:pPr/>
-              <a:t>9/7/2023</a:t>
+              <a:t>9/8/2023</a:t>
             </a:fld>
             <a:endParaRPr lang="en-US" dirty="0"/>
           </a:p>
@@ -2737,7 +2752,7 @@
             <a:fld id="{B61BEF0D-F0BB-DE4B-95CE-6DB70DBA9567}" type="datetimeFigureOut">
               <a:rPr lang="en-US" dirty="0"/>
               <a:pPr/>
-              <a:t>9/7/2023</a:t>
+              <a:t>9/8/2023</a:t>
             </a:fld>
             <a:endParaRPr lang="en-US" dirty="0"/>
           </a:p>
@@ -3023,7 +3038,7 @@
             <a:fld id="{B61BEF0D-F0BB-DE4B-95CE-6DB70DBA9567}" type="datetimeFigureOut">
               <a:rPr lang="en-US" dirty="0"/>
               <a:pPr/>
-              <a:t>9/7/2023</a:t>
+              <a:t>9/8/2023</a:t>
             </a:fld>
             <a:endParaRPr lang="en-US" dirty="0"/>
           </a:p>
@@ -3231,7 +3246,7 @@
             <a:fld id="{B61BEF0D-F0BB-DE4B-95CE-6DB70DBA9567}" type="datetimeFigureOut">
               <a:rPr lang="en-US" dirty="0"/>
               <a:pPr/>
-              <a:t>9/7/2023</a:t>
+              <a:t>9/8/2023</a:t>
             </a:fld>
             <a:endParaRPr lang="en-US" dirty="0"/>
           </a:p>
@@ -3972,6 +3987,2400 @@
 </p:sld>
 </file>
 
+<file path=ppt/slides/slide10.xml><?xml version="1.0" encoding="utf-8"?>
+<p:sld xmlns:a="http://schemas.openxmlformats.org/drawingml/2006/main" xmlns:r="http://schemas.openxmlformats.org/officeDocument/2006/relationships" xmlns:p="http://schemas.openxmlformats.org/presentationml/2006/main">
+  <p:cSld>
+    <p:spTree>
+      <p:nvGrpSpPr>
+        <p:cNvPr id="1" name=""/>
+        <p:cNvGrpSpPr/>
+        <p:nvPr/>
+      </p:nvGrpSpPr>
+      <p:grpSpPr>
+        <a:xfrm>
+          <a:off x="0" y="0"/>
+          <a:ext cx="0" cy="0"/>
+          <a:chOff x="0" y="0"/>
+          <a:chExt cx="0" cy="0"/>
+        </a:xfrm>
+      </p:grpSpPr>
+      <p:pic>
+        <p:nvPicPr>
+          <p:cNvPr id="2" name="Рисунок 1"/>
+          <p:cNvPicPr>
+            <a:picLocks noChangeAspect="1"/>
+          </p:cNvPicPr>
+          <p:nvPr/>
+        </p:nvPicPr>
+        <p:blipFill>
+          <a:blip r:embed="rId2"/>
+          <a:stretch>
+            <a:fillRect/>
+          </a:stretch>
+        </p:blipFill>
+        <p:spPr>
+          <a:xfrm>
+            <a:off x="812799" y="695325"/>
+            <a:ext cx="10385425" cy="5555548"/>
+          </a:xfrm>
+          <a:prstGeom prst="rect">
+            <a:avLst/>
+          </a:prstGeom>
+        </p:spPr>
+      </p:pic>
+      <p:sp>
+        <p:nvSpPr>
+          <p:cNvPr id="3" name="TextBox 2"/>
+          <p:cNvSpPr txBox="1"/>
+          <p:nvPr/>
+        </p:nvSpPr>
+        <p:spPr>
+          <a:xfrm>
+            <a:off x="465220" y="128337"/>
+            <a:ext cx="11269579" cy="369332"/>
+          </a:xfrm>
+          <a:prstGeom prst="rect">
+            <a:avLst/>
+          </a:prstGeom>
+          <a:noFill/>
+        </p:spPr>
+        <p:txBody>
+          <a:bodyPr wrap="square" rtlCol="0">
+            <a:spAutoFit/>
+          </a:bodyPr>
+          <a:lstStyle/>
+          <a:p>
+            <a:r>
+              <a:rPr lang="ru-RU" dirty="0" smtClean="0"/>
+              <a:t>Стандартный </a:t>
+            </a:r>
+            <a:r>
+              <a:rPr lang="en-US" dirty="0" err="1" smtClean="0"/>
+              <a:t>WebUI</a:t>
+            </a:r>
+            <a:r>
+              <a:rPr lang="en-US" dirty="0" smtClean="0"/>
+              <a:t> CPI</a:t>
+            </a:r>
+            <a:endParaRPr lang="ru-RU" dirty="0"/>
+          </a:p>
+        </p:txBody>
+      </p:sp>
+    </p:spTree>
+    <p:extLst>
+      <p:ext uri="{BB962C8B-B14F-4D97-AF65-F5344CB8AC3E}">
+        <p14:creationId xmlns:p14="http://schemas.microsoft.com/office/powerpoint/2010/main" val="4177907953"/>
+      </p:ext>
+    </p:extLst>
+  </p:cSld>
+  <p:clrMapOvr>
+    <a:masterClrMapping/>
+  </p:clrMapOvr>
+</p:sld>
+</file>
+
+<file path=ppt/slides/slide11.xml><?xml version="1.0" encoding="utf-8"?>
+<p:sld xmlns:a="http://schemas.openxmlformats.org/drawingml/2006/main" xmlns:r="http://schemas.openxmlformats.org/officeDocument/2006/relationships" xmlns:p="http://schemas.openxmlformats.org/presentationml/2006/main">
+  <p:cSld>
+    <p:spTree>
+      <p:nvGrpSpPr>
+        <p:cNvPr id="1" name=""/>
+        <p:cNvGrpSpPr/>
+        <p:nvPr/>
+      </p:nvGrpSpPr>
+      <p:grpSpPr>
+        <a:xfrm>
+          <a:off x="0" y="0"/>
+          <a:ext cx="0" cy="0"/>
+          <a:chOff x="0" y="0"/>
+          <a:chExt cx="0" cy="0"/>
+        </a:xfrm>
+      </p:grpSpPr>
+      <p:pic>
+        <p:nvPicPr>
+          <p:cNvPr id="2" name="Рисунок 1"/>
+          <p:cNvPicPr>
+            <a:picLocks noChangeAspect="1"/>
+          </p:cNvPicPr>
+          <p:nvPr/>
+        </p:nvPicPr>
+        <p:blipFill>
+          <a:blip r:embed="rId2"/>
+          <a:stretch>
+            <a:fillRect/>
+          </a:stretch>
+        </p:blipFill>
+        <p:spPr>
+          <a:xfrm>
+            <a:off x="787400" y="627063"/>
+            <a:ext cx="10629900" cy="5761835"/>
+          </a:xfrm>
+          <a:prstGeom prst="rect">
+            <a:avLst/>
+          </a:prstGeom>
+        </p:spPr>
+      </p:pic>
+      <p:sp>
+        <p:nvSpPr>
+          <p:cNvPr id="3" name="TextBox 2"/>
+          <p:cNvSpPr txBox="1"/>
+          <p:nvPr/>
+        </p:nvSpPr>
+        <p:spPr>
+          <a:xfrm>
+            <a:off x="481263" y="136357"/>
+            <a:ext cx="11277599" cy="369332"/>
+          </a:xfrm>
+          <a:prstGeom prst="rect">
+            <a:avLst/>
+          </a:prstGeom>
+          <a:noFill/>
+        </p:spPr>
+        <p:txBody>
+          <a:bodyPr wrap="square" rtlCol="0">
+            <a:spAutoFit/>
+          </a:bodyPr>
+          <a:lstStyle/>
+          <a:p>
+            <a:r>
+              <a:rPr lang="ru-RU" dirty="0" smtClean="0"/>
+              <a:t>Свой собственный мониторинг</a:t>
+            </a:r>
+            <a:endParaRPr lang="ru-RU" dirty="0"/>
+          </a:p>
+        </p:txBody>
+      </p:sp>
+    </p:spTree>
+    <p:extLst>
+      <p:ext uri="{BB962C8B-B14F-4D97-AF65-F5344CB8AC3E}">
+        <p14:creationId xmlns:p14="http://schemas.microsoft.com/office/powerpoint/2010/main" val="4227329312"/>
+      </p:ext>
+    </p:extLst>
+  </p:cSld>
+  <p:clrMapOvr>
+    <a:masterClrMapping/>
+  </p:clrMapOvr>
+</p:sld>
+</file>
+
+<file path=ppt/slides/slide12.xml><?xml version="1.0" encoding="utf-8"?>
+<p:sld xmlns:a="http://schemas.openxmlformats.org/drawingml/2006/main" xmlns:r="http://schemas.openxmlformats.org/officeDocument/2006/relationships" xmlns:p="http://schemas.openxmlformats.org/presentationml/2006/main">
+  <p:cSld>
+    <p:spTree>
+      <p:nvGrpSpPr>
+        <p:cNvPr id="1" name=""/>
+        <p:cNvGrpSpPr/>
+        <p:nvPr/>
+      </p:nvGrpSpPr>
+      <p:grpSpPr>
+        <a:xfrm>
+          <a:off x="0" y="0"/>
+          <a:ext cx="0" cy="0"/>
+          <a:chOff x="0" y="0"/>
+          <a:chExt cx="0" cy="0"/>
+        </a:xfrm>
+      </p:grpSpPr>
+      <p:sp>
+        <p:nvSpPr>
+          <p:cNvPr id="2" name="Объект 2"/>
+          <p:cNvSpPr txBox="1">
+            <a:spLocks/>
+          </p:cNvSpPr>
+          <p:nvPr/>
+        </p:nvSpPr>
+        <p:spPr>
+          <a:xfrm>
+            <a:off x="581192" y="681790"/>
+            <a:ext cx="11029615" cy="5919536"/>
+          </a:xfrm>
+          <a:prstGeom prst="rect">
+            <a:avLst/>
+          </a:prstGeom>
+        </p:spPr>
+        <p:txBody>
+          <a:bodyPr/>
+          <a:lstStyle>
+            <a:lvl1pPr marL="306000" indent="-306000" algn="l" defTabSz="457200" rtl="0" eaLnBrk="1" latinLnBrk="0" hangingPunct="1">
+              <a:spcBef>
+                <a:spcPct val="20000"/>
+              </a:spcBef>
+              <a:spcAft>
+                <a:spcPts val="600"/>
+              </a:spcAft>
+              <a:buClr>
+                <a:schemeClr val="accent2"/>
+              </a:buClr>
+              <a:buSzPct val="92000"/>
+              <a:buFont typeface="Wingdings 2" panose="05020102010507070707" pitchFamily="18" charset="2"/>
+              <a:buChar char=""/>
+              <a:defRPr sz="1800" kern="1200">
+                <a:solidFill>
+                  <a:schemeClr val="tx2"/>
+                </a:solidFill>
+                <a:latin typeface="+mn-lt"/>
+                <a:ea typeface="+mn-ea"/>
+                <a:cs typeface="+mn-cs"/>
+              </a:defRPr>
+            </a:lvl1pPr>
+            <a:lvl2pPr marL="630000" indent="-306000" algn="l" defTabSz="457200" rtl="0" eaLnBrk="1" latinLnBrk="0" hangingPunct="1">
+              <a:spcBef>
+                <a:spcPct val="20000"/>
+              </a:spcBef>
+              <a:spcAft>
+                <a:spcPts val="600"/>
+              </a:spcAft>
+              <a:buClr>
+                <a:schemeClr val="accent2"/>
+              </a:buClr>
+              <a:buSzPct val="92000"/>
+              <a:buFont typeface="Wingdings 2" panose="05020102010507070707" pitchFamily="18" charset="2"/>
+              <a:buChar char=""/>
+              <a:defRPr sz="1600" kern="1200">
+                <a:solidFill>
+                  <a:schemeClr val="tx2"/>
+                </a:solidFill>
+                <a:latin typeface="+mn-lt"/>
+                <a:ea typeface="+mn-ea"/>
+                <a:cs typeface="+mn-cs"/>
+              </a:defRPr>
+            </a:lvl2pPr>
+            <a:lvl3pPr marL="900000" indent="-270000" algn="l" defTabSz="457200" rtl="0" eaLnBrk="1" latinLnBrk="0" hangingPunct="1">
+              <a:spcBef>
+                <a:spcPct val="20000"/>
+              </a:spcBef>
+              <a:spcAft>
+                <a:spcPts val="600"/>
+              </a:spcAft>
+              <a:buClr>
+                <a:schemeClr val="accent2"/>
+              </a:buClr>
+              <a:buSzPct val="92000"/>
+              <a:buFont typeface="Wingdings 2" panose="05020102010507070707" pitchFamily="18" charset="2"/>
+              <a:buChar char=""/>
+              <a:defRPr sz="1400" kern="1200">
+                <a:solidFill>
+                  <a:schemeClr val="tx2"/>
+                </a:solidFill>
+                <a:latin typeface="+mn-lt"/>
+                <a:ea typeface="+mn-ea"/>
+                <a:cs typeface="+mn-cs"/>
+              </a:defRPr>
+            </a:lvl3pPr>
+            <a:lvl4pPr marL="1242000" indent="-234000" algn="l" defTabSz="457200" rtl="0" eaLnBrk="1" latinLnBrk="0" hangingPunct="1">
+              <a:spcBef>
+                <a:spcPct val="20000"/>
+              </a:spcBef>
+              <a:spcAft>
+                <a:spcPts val="600"/>
+              </a:spcAft>
+              <a:buClr>
+                <a:schemeClr val="accent2"/>
+              </a:buClr>
+              <a:buSzPct val="92000"/>
+              <a:buFont typeface="Wingdings 2" panose="05020102010507070707" pitchFamily="18" charset="2"/>
+              <a:buChar char=""/>
+              <a:defRPr sz="1200" kern="1200">
+                <a:solidFill>
+                  <a:schemeClr val="tx2"/>
+                </a:solidFill>
+                <a:latin typeface="+mn-lt"/>
+                <a:ea typeface="+mn-ea"/>
+                <a:cs typeface="+mn-cs"/>
+              </a:defRPr>
+            </a:lvl4pPr>
+            <a:lvl5pPr marL="1602000" indent="-234000" algn="l" defTabSz="457200" rtl="0" eaLnBrk="1" latinLnBrk="0" hangingPunct="1">
+              <a:spcBef>
+                <a:spcPct val="20000"/>
+              </a:spcBef>
+              <a:spcAft>
+                <a:spcPts val="600"/>
+              </a:spcAft>
+              <a:buClr>
+                <a:schemeClr val="accent2"/>
+              </a:buClr>
+              <a:buSzPct val="92000"/>
+              <a:buFont typeface="Wingdings 2" panose="05020102010507070707" pitchFamily="18" charset="2"/>
+              <a:buChar char=""/>
+              <a:defRPr sz="1200" kern="1200">
+                <a:solidFill>
+                  <a:schemeClr val="tx2"/>
+                </a:solidFill>
+                <a:latin typeface="+mn-lt"/>
+                <a:ea typeface="+mn-ea"/>
+                <a:cs typeface="+mn-cs"/>
+              </a:defRPr>
+            </a:lvl5pPr>
+            <a:lvl6pPr marL="1900000" indent="-228600" algn="l" defTabSz="457200" rtl="0" eaLnBrk="1" latinLnBrk="0" hangingPunct="1">
+              <a:spcBef>
+                <a:spcPct val="20000"/>
+              </a:spcBef>
+              <a:spcAft>
+                <a:spcPts val="600"/>
+              </a:spcAft>
+              <a:buClr>
+                <a:schemeClr val="accent2"/>
+              </a:buClr>
+              <a:buSzPct val="92000"/>
+              <a:buFont typeface="Wingdings 2" panose="05020102010507070707" pitchFamily="18" charset="2"/>
+              <a:buChar char=""/>
+              <a:defRPr sz="1200" kern="1200">
+                <a:solidFill>
+                  <a:schemeClr val="tx2"/>
+                </a:solidFill>
+                <a:latin typeface="+mn-lt"/>
+                <a:ea typeface="+mn-ea"/>
+                <a:cs typeface="+mn-cs"/>
+              </a:defRPr>
+            </a:lvl6pPr>
+            <a:lvl7pPr marL="2200000" indent="-228600" algn="l" defTabSz="457200" rtl="0" eaLnBrk="1" latinLnBrk="0" hangingPunct="1">
+              <a:spcBef>
+                <a:spcPct val="20000"/>
+              </a:spcBef>
+              <a:spcAft>
+                <a:spcPts val="600"/>
+              </a:spcAft>
+              <a:buClr>
+                <a:schemeClr val="accent2"/>
+              </a:buClr>
+              <a:buSzPct val="92000"/>
+              <a:buFont typeface="Wingdings 2" panose="05020102010507070707" pitchFamily="18" charset="2"/>
+              <a:buChar char=""/>
+              <a:defRPr sz="1200" kern="1200">
+                <a:solidFill>
+                  <a:schemeClr val="tx2"/>
+                </a:solidFill>
+                <a:latin typeface="+mn-lt"/>
+                <a:ea typeface="+mn-ea"/>
+                <a:cs typeface="+mn-cs"/>
+              </a:defRPr>
+            </a:lvl7pPr>
+            <a:lvl8pPr marL="2500000" indent="-228600" algn="l" defTabSz="457200" rtl="0" eaLnBrk="1" latinLnBrk="0" hangingPunct="1">
+              <a:spcBef>
+                <a:spcPct val="20000"/>
+              </a:spcBef>
+              <a:spcAft>
+                <a:spcPts val="600"/>
+              </a:spcAft>
+              <a:buClr>
+                <a:schemeClr val="accent2"/>
+              </a:buClr>
+              <a:buSzPct val="92000"/>
+              <a:buFont typeface="Wingdings 2" panose="05020102010507070707" pitchFamily="18" charset="2"/>
+              <a:buChar char=""/>
+              <a:defRPr sz="1200" kern="1200">
+                <a:solidFill>
+                  <a:schemeClr val="tx2"/>
+                </a:solidFill>
+                <a:latin typeface="+mn-lt"/>
+                <a:ea typeface="+mn-ea"/>
+                <a:cs typeface="+mn-cs"/>
+              </a:defRPr>
+            </a:lvl8pPr>
+            <a:lvl9pPr marL="2800000" indent="-228600" algn="l" defTabSz="457200" rtl="0" eaLnBrk="1" latinLnBrk="0" hangingPunct="1">
+              <a:spcBef>
+                <a:spcPct val="20000"/>
+              </a:spcBef>
+              <a:spcAft>
+                <a:spcPts val="600"/>
+              </a:spcAft>
+              <a:buClr>
+                <a:schemeClr val="accent2"/>
+              </a:buClr>
+              <a:buSzPct val="92000"/>
+              <a:buFont typeface="Wingdings 2" panose="05020102010507070707" pitchFamily="18" charset="2"/>
+              <a:buChar char=""/>
+              <a:defRPr sz="1200" kern="1200">
+                <a:solidFill>
+                  <a:schemeClr val="tx2"/>
+                </a:solidFill>
+                <a:latin typeface="+mn-lt"/>
+                <a:ea typeface="+mn-ea"/>
+                <a:cs typeface="+mn-cs"/>
+              </a:defRPr>
+            </a:lvl9pPr>
+          </a:lstStyle>
+          <a:p>
+            <a:pPr marL="0" indent="0">
+              <a:buFont typeface="Wingdings 2" panose="05020102010507070707" pitchFamily="18" charset="2"/>
+              <a:buNone/>
+            </a:pPr>
+            <a:r>
+              <a:rPr lang="ru-RU" dirty="0" smtClean="0"/>
+              <a:t>Действия очевидные</a:t>
+            </a:r>
+          </a:p>
+          <a:p>
+            <a:r>
+              <a:rPr lang="ru-RU" dirty="0" smtClean="0"/>
+              <a:t>Правки кучи </a:t>
+            </a:r>
+            <a:r>
+              <a:rPr lang="en-US" dirty="0" smtClean="0"/>
+              <a:t>IFLW-</a:t>
+            </a:r>
+            <a:r>
+              <a:rPr lang="ru-RU" dirty="0" smtClean="0"/>
+              <a:t>файлов для импорта в </a:t>
+            </a:r>
+            <a:r>
+              <a:rPr lang="en-US" dirty="0" smtClean="0"/>
+              <a:t>CIC</a:t>
+            </a:r>
+          </a:p>
+          <a:p>
+            <a:pPr lvl="1"/>
+            <a:r>
+              <a:rPr lang="ru-RU" dirty="0" smtClean="0"/>
+              <a:t>Делаем эталонный поток под профиль </a:t>
+            </a:r>
+            <a:r>
+              <a:rPr lang="en-US" dirty="0" smtClean="0"/>
+              <a:t>7.5sp21 </a:t>
+            </a:r>
+            <a:r>
+              <a:rPr lang="ru-RU" dirty="0" smtClean="0"/>
+              <a:t>в котором есть все кубики</a:t>
+            </a:r>
+          </a:p>
+          <a:p>
+            <a:pPr lvl="1"/>
+            <a:r>
+              <a:rPr lang="ru-RU" dirty="0" smtClean="0"/>
+              <a:t>Можно было бы автоматизировать замену компонент но как-то руки не дошли</a:t>
+            </a:r>
+            <a:endParaRPr lang="en-US" dirty="0" smtClean="0"/>
+          </a:p>
+          <a:p>
+            <a:r>
+              <a:rPr lang="ru-RU" dirty="0" smtClean="0"/>
+              <a:t>Смотрим какие куски скриптов работают в </a:t>
+            </a:r>
+            <a:r>
+              <a:rPr lang="en-US" dirty="0" smtClean="0"/>
+              <a:t>CPI</a:t>
+            </a:r>
+            <a:r>
+              <a:rPr lang="ru-RU" dirty="0" smtClean="0"/>
+              <a:t> но не работают в </a:t>
+            </a:r>
+            <a:r>
+              <a:rPr lang="en-US" dirty="0" smtClean="0"/>
+              <a:t>CIC</a:t>
+            </a:r>
+          </a:p>
+          <a:p>
+            <a:pPr lvl="1"/>
+            <a:r>
+              <a:rPr lang="ru-RU" dirty="0" smtClean="0"/>
+              <a:t>Непубличное </a:t>
+            </a:r>
+            <a:r>
+              <a:rPr lang="en-US" dirty="0" smtClean="0"/>
+              <a:t>API </a:t>
+            </a:r>
+            <a:r>
+              <a:rPr lang="ru-RU" dirty="0" smtClean="0"/>
+              <a:t>обращения к </a:t>
+            </a:r>
+            <a:r>
+              <a:rPr lang="ru-RU" dirty="0" err="1" smtClean="0"/>
+              <a:t>датасторам</a:t>
+            </a:r>
+            <a:r>
+              <a:rPr lang="ru-RU" dirty="0" smtClean="0"/>
+              <a:t> иногда сбоит в транзакциях. Проще отключить.</a:t>
+            </a:r>
+          </a:p>
+          <a:p>
+            <a:r>
+              <a:rPr lang="ru-RU" dirty="0" smtClean="0"/>
+              <a:t>Часть каналов в </a:t>
+            </a:r>
+            <a:r>
+              <a:rPr lang="en-US" dirty="0" smtClean="0"/>
+              <a:t>PI </a:t>
+            </a:r>
+            <a:r>
+              <a:rPr lang="ru-RU" dirty="0" smtClean="0"/>
+              <a:t>выкидывается так как можно например делать </a:t>
+            </a:r>
+            <a:r>
+              <a:rPr lang="en-US" dirty="0" smtClean="0"/>
+              <a:t>CIC</a:t>
+            </a:r>
+            <a:r>
+              <a:rPr lang="en-US" dirty="0" smtClean="0">
+                <a:sym typeface="Wingdings" panose="05000000000000000000" pitchFamily="2" charset="2"/>
+              </a:rPr>
+              <a:t>ABAP </a:t>
+            </a:r>
+            <a:r>
+              <a:rPr lang="ru-RU" dirty="0" smtClean="0">
+                <a:sym typeface="Wingdings" panose="05000000000000000000" pitchFamily="2" charset="2"/>
+              </a:rPr>
+              <a:t>через </a:t>
+            </a:r>
+            <a:r>
+              <a:rPr lang="en-US" dirty="0" smtClean="0">
+                <a:sym typeface="Wingdings" panose="05000000000000000000" pitchFamily="2" charset="2"/>
+              </a:rPr>
+              <a:t>XI</a:t>
+            </a:r>
+            <a:r>
+              <a:rPr lang="ru-RU" dirty="0" smtClean="0">
+                <a:sym typeface="Wingdings" panose="05000000000000000000" pitchFamily="2" charset="2"/>
+              </a:rPr>
+              <a:t>-канал </a:t>
+            </a:r>
+            <a:r>
+              <a:rPr lang="en-US" dirty="0" smtClean="0">
+                <a:sym typeface="Wingdings" panose="05000000000000000000" pitchFamily="2" charset="2"/>
+              </a:rPr>
+              <a:t>CIC</a:t>
+            </a:r>
+            <a:r>
+              <a:rPr lang="ru-RU" dirty="0" smtClean="0">
+                <a:sym typeface="Wingdings" panose="05000000000000000000" pitchFamily="2" charset="2"/>
+              </a:rPr>
+              <a:t>а</a:t>
+            </a:r>
+            <a:endParaRPr lang="ru-RU" dirty="0" smtClean="0"/>
+          </a:p>
+          <a:p>
+            <a:pPr marL="0" indent="0">
+              <a:buNone/>
+            </a:pPr>
+            <a:endParaRPr lang="ru-RU" dirty="0" smtClean="0"/>
+          </a:p>
+          <a:p>
+            <a:pPr marL="0" indent="0">
+              <a:buNone/>
+            </a:pPr>
+            <a:r>
+              <a:rPr lang="ru-RU" dirty="0" smtClean="0"/>
+              <a:t>Действия отважные</a:t>
+            </a:r>
+          </a:p>
+          <a:p>
+            <a:r>
+              <a:rPr lang="ru-RU" dirty="0" smtClean="0"/>
+              <a:t>Свой мониторинг, с привычным пользователям </a:t>
+            </a:r>
+            <a:r>
+              <a:rPr lang="en-US" dirty="0" smtClean="0"/>
+              <a:t>UI</a:t>
+            </a:r>
+            <a:endParaRPr lang="ru-RU" dirty="0" smtClean="0"/>
+          </a:p>
+          <a:p>
+            <a:pPr lvl="1"/>
+            <a:r>
+              <a:rPr lang="ru-RU" dirty="0" smtClean="0"/>
+              <a:t>Правки </a:t>
+            </a:r>
+            <a:r>
+              <a:rPr lang="ru-RU" dirty="0" err="1" smtClean="0"/>
+              <a:t>логирования</a:t>
+            </a:r>
+            <a:r>
+              <a:rPr lang="ru-RU" dirty="0" smtClean="0"/>
+              <a:t> в потоках, чтобы для пользователя всё было +/- как раньше а реально хранится в </a:t>
+            </a:r>
+            <a:r>
+              <a:rPr lang="ru-RU" dirty="0" err="1" smtClean="0"/>
+              <a:t>датасторах</a:t>
+            </a:r>
+            <a:r>
+              <a:rPr lang="ru-RU" dirty="0" smtClean="0"/>
+              <a:t> а не в </a:t>
+            </a:r>
+            <a:r>
+              <a:rPr lang="ru-RU" dirty="0" err="1" smtClean="0"/>
+              <a:t>аттачментах</a:t>
+            </a:r>
+            <a:endParaRPr lang="ru-RU" dirty="0" smtClean="0"/>
+          </a:p>
+          <a:p>
+            <a:endParaRPr lang="ru-RU" dirty="0" smtClean="0"/>
+          </a:p>
+          <a:p>
+            <a:pPr marL="0" indent="0">
+              <a:buNone/>
+            </a:pPr>
+            <a:r>
+              <a:rPr lang="ru-RU" dirty="0" smtClean="0"/>
+              <a:t>Действия в ходе анализа </a:t>
+            </a:r>
+            <a:r>
+              <a:rPr lang="ru-RU" dirty="0" err="1" smtClean="0"/>
+              <a:t>продуктива</a:t>
+            </a:r>
+            <a:endParaRPr lang="ru-RU" dirty="0" smtClean="0"/>
+          </a:p>
+          <a:p>
+            <a:r>
+              <a:rPr lang="ru-RU" dirty="0"/>
+              <a:t>Анализируем загрузку БД и добавляем индекс для </a:t>
+            </a:r>
+            <a:r>
+              <a:rPr lang="en-US" dirty="0"/>
+              <a:t>CIC. </a:t>
+            </a:r>
+            <a:r>
+              <a:rPr lang="ru-RU" dirty="0"/>
+              <a:t>Уведомили САП</a:t>
+            </a:r>
+            <a:r>
+              <a:rPr lang="ru-RU" dirty="0" smtClean="0"/>
+              <a:t>.</a:t>
+            </a:r>
+          </a:p>
+          <a:p>
+            <a:r>
+              <a:rPr lang="ru-RU" dirty="0" smtClean="0"/>
+              <a:t>Отключаем ненужные </a:t>
+            </a:r>
+            <a:r>
+              <a:rPr lang="en-US" dirty="0" smtClean="0"/>
+              <a:t>XI-</a:t>
+            </a:r>
+            <a:r>
+              <a:rPr lang="ru-RU" dirty="0" smtClean="0"/>
+              <a:t>каналы – теперь рестарты делает </a:t>
+            </a:r>
+            <a:r>
+              <a:rPr lang="en-US" dirty="0" smtClean="0"/>
+              <a:t>PI</a:t>
+            </a:r>
+            <a:endParaRPr lang="ru-RU" dirty="0"/>
+          </a:p>
+          <a:p>
+            <a:pPr marL="0" indent="0">
+              <a:buNone/>
+            </a:pPr>
+            <a:endParaRPr lang="ru-RU" dirty="0" smtClean="0"/>
+          </a:p>
+        </p:txBody>
+      </p:sp>
+    </p:spTree>
+    <p:extLst>
+      <p:ext uri="{BB962C8B-B14F-4D97-AF65-F5344CB8AC3E}">
+        <p14:creationId xmlns:p14="http://schemas.microsoft.com/office/powerpoint/2010/main" val="3299209953"/>
+      </p:ext>
+    </p:extLst>
+  </p:cSld>
+  <p:clrMapOvr>
+    <a:masterClrMapping/>
+  </p:clrMapOvr>
+</p:sld>
+</file>
+
+<file path=ppt/slides/slide13.xml><?xml version="1.0" encoding="utf-8"?>
+<p:sld xmlns:a="http://schemas.openxmlformats.org/drawingml/2006/main" xmlns:r="http://schemas.openxmlformats.org/officeDocument/2006/relationships" xmlns:p="http://schemas.openxmlformats.org/presentationml/2006/main">
+  <p:cSld>
+    <p:spTree>
+      <p:nvGrpSpPr>
+        <p:cNvPr id="1" name=""/>
+        <p:cNvGrpSpPr/>
+        <p:nvPr/>
+      </p:nvGrpSpPr>
+      <p:grpSpPr>
+        <a:xfrm>
+          <a:off x="0" y="0"/>
+          <a:ext cx="0" cy="0"/>
+          <a:chOff x="0" y="0"/>
+          <a:chExt cx="0" cy="0"/>
+        </a:xfrm>
+      </p:grpSpPr>
+      <p:sp>
+        <p:nvSpPr>
+          <p:cNvPr id="2" name="Объект 2"/>
+          <p:cNvSpPr txBox="1">
+            <a:spLocks/>
+          </p:cNvSpPr>
+          <p:nvPr/>
+        </p:nvSpPr>
+        <p:spPr>
+          <a:xfrm>
+            <a:off x="581192" y="681790"/>
+            <a:ext cx="11029615" cy="5919536"/>
+          </a:xfrm>
+          <a:prstGeom prst="rect">
+            <a:avLst/>
+          </a:prstGeom>
+        </p:spPr>
+        <p:txBody>
+          <a:bodyPr/>
+          <a:lstStyle>
+            <a:lvl1pPr marL="306000" indent="-306000" algn="l" defTabSz="457200" rtl="0" eaLnBrk="1" latinLnBrk="0" hangingPunct="1">
+              <a:spcBef>
+                <a:spcPct val="20000"/>
+              </a:spcBef>
+              <a:spcAft>
+                <a:spcPts val="600"/>
+              </a:spcAft>
+              <a:buClr>
+                <a:schemeClr val="accent2"/>
+              </a:buClr>
+              <a:buSzPct val="92000"/>
+              <a:buFont typeface="Wingdings 2" panose="05020102010507070707" pitchFamily="18" charset="2"/>
+              <a:buChar char=""/>
+              <a:defRPr sz="1800" kern="1200">
+                <a:solidFill>
+                  <a:schemeClr val="tx2"/>
+                </a:solidFill>
+                <a:latin typeface="+mn-lt"/>
+                <a:ea typeface="+mn-ea"/>
+                <a:cs typeface="+mn-cs"/>
+              </a:defRPr>
+            </a:lvl1pPr>
+            <a:lvl2pPr marL="630000" indent="-306000" algn="l" defTabSz="457200" rtl="0" eaLnBrk="1" latinLnBrk="0" hangingPunct="1">
+              <a:spcBef>
+                <a:spcPct val="20000"/>
+              </a:spcBef>
+              <a:spcAft>
+                <a:spcPts val="600"/>
+              </a:spcAft>
+              <a:buClr>
+                <a:schemeClr val="accent2"/>
+              </a:buClr>
+              <a:buSzPct val="92000"/>
+              <a:buFont typeface="Wingdings 2" panose="05020102010507070707" pitchFamily="18" charset="2"/>
+              <a:buChar char=""/>
+              <a:defRPr sz="1600" kern="1200">
+                <a:solidFill>
+                  <a:schemeClr val="tx2"/>
+                </a:solidFill>
+                <a:latin typeface="+mn-lt"/>
+                <a:ea typeface="+mn-ea"/>
+                <a:cs typeface="+mn-cs"/>
+              </a:defRPr>
+            </a:lvl2pPr>
+            <a:lvl3pPr marL="900000" indent="-270000" algn="l" defTabSz="457200" rtl="0" eaLnBrk="1" latinLnBrk="0" hangingPunct="1">
+              <a:spcBef>
+                <a:spcPct val="20000"/>
+              </a:spcBef>
+              <a:spcAft>
+                <a:spcPts val="600"/>
+              </a:spcAft>
+              <a:buClr>
+                <a:schemeClr val="accent2"/>
+              </a:buClr>
+              <a:buSzPct val="92000"/>
+              <a:buFont typeface="Wingdings 2" panose="05020102010507070707" pitchFamily="18" charset="2"/>
+              <a:buChar char=""/>
+              <a:defRPr sz="1400" kern="1200">
+                <a:solidFill>
+                  <a:schemeClr val="tx2"/>
+                </a:solidFill>
+                <a:latin typeface="+mn-lt"/>
+                <a:ea typeface="+mn-ea"/>
+                <a:cs typeface="+mn-cs"/>
+              </a:defRPr>
+            </a:lvl3pPr>
+            <a:lvl4pPr marL="1242000" indent="-234000" algn="l" defTabSz="457200" rtl="0" eaLnBrk="1" latinLnBrk="0" hangingPunct="1">
+              <a:spcBef>
+                <a:spcPct val="20000"/>
+              </a:spcBef>
+              <a:spcAft>
+                <a:spcPts val="600"/>
+              </a:spcAft>
+              <a:buClr>
+                <a:schemeClr val="accent2"/>
+              </a:buClr>
+              <a:buSzPct val="92000"/>
+              <a:buFont typeface="Wingdings 2" panose="05020102010507070707" pitchFamily="18" charset="2"/>
+              <a:buChar char=""/>
+              <a:defRPr sz="1200" kern="1200">
+                <a:solidFill>
+                  <a:schemeClr val="tx2"/>
+                </a:solidFill>
+                <a:latin typeface="+mn-lt"/>
+                <a:ea typeface="+mn-ea"/>
+                <a:cs typeface="+mn-cs"/>
+              </a:defRPr>
+            </a:lvl4pPr>
+            <a:lvl5pPr marL="1602000" indent="-234000" algn="l" defTabSz="457200" rtl="0" eaLnBrk="1" latinLnBrk="0" hangingPunct="1">
+              <a:spcBef>
+                <a:spcPct val="20000"/>
+              </a:spcBef>
+              <a:spcAft>
+                <a:spcPts val="600"/>
+              </a:spcAft>
+              <a:buClr>
+                <a:schemeClr val="accent2"/>
+              </a:buClr>
+              <a:buSzPct val="92000"/>
+              <a:buFont typeface="Wingdings 2" panose="05020102010507070707" pitchFamily="18" charset="2"/>
+              <a:buChar char=""/>
+              <a:defRPr sz="1200" kern="1200">
+                <a:solidFill>
+                  <a:schemeClr val="tx2"/>
+                </a:solidFill>
+                <a:latin typeface="+mn-lt"/>
+                <a:ea typeface="+mn-ea"/>
+                <a:cs typeface="+mn-cs"/>
+              </a:defRPr>
+            </a:lvl5pPr>
+            <a:lvl6pPr marL="1900000" indent="-228600" algn="l" defTabSz="457200" rtl="0" eaLnBrk="1" latinLnBrk="0" hangingPunct="1">
+              <a:spcBef>
+                <a:spcPct val="20000"/>
+              </a:spcBef>
+              <a:spcAft>
+                <a:spcPts val="600"/>
+              </a:spcAft>
+              <a:buClr>
+                <a:schemeClr val="accent2"/>
+              </a:buClr>
+              <a:buSzPct val="92000"/>
+              <a:buFont typeface="Wingdings 2" panose="05020102010507070707" pitchFamily="18" charset="2"/>
+              <a:buChar char=""/>
+              <a:defRPr sz="1200" kern="1200">
+                <a:solidFill>
+                  <a:schemeClr val="tx2"/>
+                </a:solidFill>
+                <a:latin typeface="+mn-lt"/>
+                <a:ea typeface="+mn-ea"/>
+                <a:cs typeface="+mn-cs"/>
+              </a:defRPr>
+            </a:lvl6pPr>
+            <a:lvl7pPr marL="2200000" indent="-228600" algn="l" defTabSz="457200" rtl="0" eaLnBrk="1" latinLnBrk="0" hangingPunct="1">
+              <a:spcBef>
+                <a:spcPct val="20000"/>
+              </a:spcBef>
+              <a:spcAft>
+                <a:spcPts val="600"/>
+              </a:spcAft>
+              <a:buClr>
+                <a:schemeClr val="accent2"/>
+              </a:buClr>
+              <a:buSzPct val="92000"/>
+              <a:buFont typeface="Wingdings 2" panose="05020102010507070707" pitchFamily="18" charset="2"/>
+              <a:buChar char=""/>
+              <a:defRPr sz="1200" kern="1200">
+                <a:solidFill>
+                  <a:schemeClr val="tx2"/>
+                </a:solidFill>
+                <a:latin typeface="+mn-lt"/>
+                <a:ea typeface="+mn-ea"/>
+                <a:cs typeface="+mn-cs"/>
+              </a:defRPr>
+            </a:lvl7pPr>
+            <a:lvl8pPr marL="2500000" indent="-228600" algn="l" defTabSz="457200" rtl="0" eaLnBrk="1" latinLnBrk="0" hangingPunct="1">
+              <a:spcBef>
+                <a:spcPct val="20000"/>
+              </a:spcBef>
+              <a:spcAft>
+                <a:spcPts val="600"/>
+              </a:spcAft>
+              <a:buClr>
+                <a:schemeClr val="accent2"/>
+              </a:buClr>
+              <a:buSzPct val="92000"/>
+              <a:buFont typeface="Wingdings 2" panose="05020102010507070707" pitchFamily="18" charset="2"/>
+              <a:buChar char=""/>
+              <a:defRPr sz="1200" kern="1200">
+                <a:solidFill>
+                  <a:schemeClr val="tx2"/>
+                </a:solidFill>
+                <a:latin typeface="+mn-lt"/>
+                <a:ea typeface="+mn-ea"/>
+                <a:cs typeface="+mn-cs"/>
+              </a:defRPr>
+            </a:lvl8pPr>
+            <a:lvl9pPr marL="2800000" indent="-228600" algn="l" defTabSz="457200" rtl="0" eaLnBrk="1" latinLnBrk="0" hangingPunct="1">
+              <a:spcBef>
+                <a:spcPct val="20000"/>
+              </a:spcBef>
+              <a:spcAft>
+                <a:spcPts val="600"/>
+              </a:spcAft>
+              <a:buClr>
+                <a:schemeClr val="accent2"/>
+              </a:buClr>
+              <a:buSzPct val="92000"/>
+              <a:buFont typeface="Wingdings 2" panose="05020102010507070707" pitchFamily="18" charset="2"/>
+              <a:buChar char=""/>
+              <a:defRPr sz="1200" kern="1200">
+                <a:solidFill>
+                  <a:schemeClr val="tx2"/>
+                </a:solidFill>
+                <a:latin typeface="+mn-lt"/>
+                <a:ea typeface="+mn-ea"/>
+                <a:cs typeface="+mn-cs"/>
+              </a:defRPr>
+            </a:lvl9pPr>
+          </a:lstStyle>
+          <a:p>
+            <a:pPr marL="0" indent="0">
+              <a:buFont typeface="Wingdings 2" panose="05020102010507070707" pitchFamily="18" charset="2"/>
+              <a:buNone/>
+            </a:pPr>
+            <a:r>
+              <a:rPr lang="ru-RU" dirty="0" smtClean="0"/>
+              <a:t>Свой мониторинг</a:t>
+            </a:r>
+          </a:p>
+          <a:p>
+            <a:r>
+              <a:rPr lang="ru-RU" dirty="0" smtClean="0"/>
+              <a:t>Надо вычитать всего 6 таблиц и нет толкового АПИ</a:t>
+            </a:r>
+            <a:endParaRPr lang="en-US" dirty="0" smtClean="0"/>
+          </a:p>
+          <a:p>
+            <a:r>
+              <a:rPr lang="ru-RU" dirty="0" smtClean="0"/>
+              <a:t>Надо корректно всё сложить в эластик и делать запросы оттуда</a:t>
+            </a:r>
+          </a:p>
+          <a:p>
+            <a:r>
+              <a:rPr lang="ru-RU" dirty="0" smtClean="0"/>
+              <a:t>Самое сложное это </a:t>
+            </a:r>
+            <a:r>
+              <a:rPr lang="en-US" dirty="0" smtClean="0"/>
+              <a:t>UI</a:t>
+            </a:r>
+          </a:p>
+          <a:p>
+            <a:pPr lvl="1"/>
+            <a:r>
+              <a:rPr lang="en-US" dirty="0" smtClean="0"/>
+              <a:t>“</a:t>
+            </a:r>
+            <a:r>
+              <a:rPr lang="en-US" dirty="0" err="1" smtClean="0"/>
+              <a:t>OpenUI</a:t>
+            </a:r>
+            <a:r>
+              <a:rPr lang="ru-RU" dirty="0" smtClean="0"/>
+              <a:t>5 </a:t>
+            </a:r>
+            <a:r>
+              <a:rPr lang="en-US" dirty="0" smtClean="0"/>
+              <a:t>React” </a:t>
+            </a:r>
+            <a:r>
+              <a:rPr lang="ru-RU" dirty="0" smtClean="0"/>
+              <a:t>используется</a:t>
+            </a:r>
+            <a:r>
+              <a:rPr lang="en-US" dirty="0"/>
+              <a:t> </a:t>
+            </a:r>
+            <a:r>
+              <a:rPr lang="en-US" dirty="0">
+                <a:hlinkClick r:id="rId2"/>
+              </a:rPr>
+              <a:t>https://sap.github.io/ui5-webcomponents-react/?path=/docs/getting-started--</a:t>
+            </a:r>
+            <a:r>
+              <a:rPr lang="en-US" dirty="0" smtClean="0">
+                <a:hlinkClick r:id="rId2"/>
+              </a:rPr>
+              <a:t>docs</a:t>
+            </a:r>
+            <a:r>
+              <a:rPr lang="en-US" dirty="0" smtClean="0"/>
+              <a:t> </a:t>
+            </a:r>
+          </a:p>
+          <a:p>
+            <a:pPr lvl="1"/>
+            <a:r>
+              <a:rPr lang="ru-RU" dirty="0" smtClean="0"/>
+              <a:t>Хотелось сделать </a:t>
+            </a:r>
+            <a:r>
+              <a:rPr lang="en-US" dirty="0" err="1" smtClean="0"/>
+              <a:t>Look&amp;Feel</a:t>
+            </a:r>
+            <a:r>
+              <a:rPr lang="en-US" dirty="0" smtClean="0"/>
+              <a:t> </a:t>
+            </a:r>
+            <a:r>
+              <a:rPr lang="ru-RU" dirty="0" smtClean="0"/>
+              <a:t>как в </a:t>
+            </a:r>
+            <a:r>
+              <a:rPr lang="en-US" dirty="0" smtClean="0"/>
+              <a:t>CPI</a:t>
+            </a:r>
+          </a:p>
+          <a:p>
+            <a:r>
+              <a:rPr lang="ru-RU" dirty="0" smtClean="0"/>
+              <a:t>Разработка </a:t>
+            </a:r>
+            <a:r>
+              <a:rPr lang="en-US" dirty="0" smtClean="0"/>
+              <a:t>UI </a:t>
+            </a:r>
+            <a:r>
+              <a:rPr lang="ru-RU" dirty="0" smtClean="0"/>
+              <a:t>шла параллельно с разработкой </a:t>
+            </a:r>
+            <a:r>
+              <a:rPr lang="ru-RU" dirty="0" err="1" smtClean="0"/>
+              <a:t>бэкенда</a:t>
+            </a:r>
+            <a:r>
+              <a:rPr lang="ru-RU" dirty="0" smtClean="0"/>
+              <a:t> и всё заняло порядка 20 дней до работающего </a:t>
+            </a:r>
+            <a:r>
+              <a:rPr lang="ru-RU" dirty="0" err="1" smtClean="0"/>
+              <a:t>продуктива</a:t>
+            </a:r>
+            <a:r>
+              <a:rPr lang="ru-RU" dirty="0" smtClean="0"/>
+              <a:t> плюс шлифование замеченных багов и </a:t>
+            </a:r>
+            <a:r>
+              <a:rPr lang="ru-RU" dirty="0" err="1" smtClean="0"/>
+              <a:t>тд</a:t>
+            </a:r>
+            <a:r>
+              <a:rPr lang="ru-RU" dirty="0" smtClean="0"/>
+              <a:t> ещё шло в фоне пару месяцев</a:t>
+            </a:r>
+            <a:endParaRPr lang="en-US" dirty="0" smtClean="0"/>
+          </a:p>
+          <a:p>
+            <a:pPr lvl="1"/>
+            <a:endParaRPr lang="en-US" dirty="0"/>
+          </a:p>
+          <a:p>
+            <a:pPr marL="0" indent="0">
+              <a:buNone/>
+            </a:pPr>
+            <a:r>
+              <a:rPr lang="ru-RU" dirty="0" smtClean="0"/>
+              <a:t>Развитие темы</a:t>
+            </a:r>
+          </a:p>
+          <a:p>
+            <a:r>
+              <a:rPr lang="ru-RU" dirty="0" smtClean="0"/>
+              <a:t>В эластике надо хранить поисковый словесный индекс а не сырые </a:t>
+            </a:r>
+            <a:r>
+              <a:rPr lang="ru-RU" dirty="0" err="1" smtClean="0"/>
+              <a:t>пейлоады</a:t>
+            </a:r>
+            <a:r>
+              <a:rPr lang="ru-RU" dirty="0" smtClean="0"/>
+              <a:t>. Сырое надо хранить в ключ-значение или в </a:t>
+            </a:r>
+            <a:r>
+              <a:rPr lang="ru-RU" dirty="0" err="1" smtClean="0"/>
+              <a:t>реляционке</a:t>
+            </a:r>
+            <a:r>
+              <a:rPr lang="ru-RU" dirty="0" smtClean="0"/>
+              <a:t> (по вкусу)</a:t>
+            </a:r>
+          </a:p>
+          <a:p>
+            <a:r>
+              <a:rPr lang="ru-RU" dirty="0" smtClean="0"/>
+              <a:t>Если кто-то оплатит то разобраться с шифрованием или как-то ещё реализовать полный спектр стандарта</a:t>
+            </a:r>
+          </a:p>
+          <a:p>
+            <a:endParaRPr lang="en-US" dirty="0" smtClean="0"/>
+          </a:p>
+        </p:txBody>
+      </p:sp>
+    </p:spTree>
+    <p:extLst>
+      <p:ext uri="{BB962C8B-B14F-4D97-AF65-F5344CB8AC3E}">
+        <p14:creationId xmlns:p14="http://schemas.microsoft.com/office/powerpoint/2010/main" val="1407555532"/>
+      </p:ext>
+    </p:extLst>
+  </p:cSld>
+  <p:clrMapOvr>
+    <a:masterClrMapping/>
+  </p:clrMapOvr>
+</p:sld>
+</file>
+
+<file path=ppt/slides/slide14.xml><?xml version="1.0" encoding="utf-8"?>
+<p:sld xmlns:a="http://schemas.openxmlformats.org/drawingml/2006/main" xmlns:r="http://schemas.openxmlformats.org/officeDocument/2006/relationships" xmlns:p="http://schemas.openxmlformats.org/presentationml/2006/main">
+  <p:cSld>
+    <p:spTree>
+      <p:nvGrpSpPr>
+        <p:cNvPr id="1" name=""/>
+        <p:cNvGrpSpPr/>
+        <p:nvPr/>
+      </p:nvGrpSpPr>
+      <p:grpSpPr>
+        <a:xfrm>
+          <a:off x="0" y="0"/>
+          <a:ext cx="0" cy="0"/>
+          <a:chOff x="0" y="0"/>
+          <a:chExt cx="0" cy="0"/>
+        </a:xfrm>
+      </p:grpSpPr>
+      <p:sp>
+        <p:nvSpPr>
+          <p:cNvPr id="2" name="Объект 2"/>
+          <p:cNvSpPr txBox="1">
+            <a:spLocks/>
+          </p:cNvSpPr>
+          <p:nvPr/>
+        </p:nvSpPr>
+        <p:spPr>
+          <a:xfrm>
+            <a:off x="581192" y="681790"/>
+            <a:ext cx="11029615" cy="5919536"/>
+          </a:xfrm>
+          <a:prstGeom prst="rect">
+            <a:avLst/>
+          </a:prstGeom>
+        </p:spPr>
+        <p:txBody>
+          <a:bodyPr/>
+          <a:lstStyle>
+            <a:lvl1pPr marL="306000" indent="-306000" algn="l" defTabSz="457200" rtl="0" eaLnBrk="1" latinLnBrk="0" hangingPunct="1">
+              <a:spcBef>
+                <a:spcPct val="20000"/>
+              </a:spcBef>
+              <a:spcAft>
+                <a:spcPts val="600"/>
+              </a:spcAft>
+              <a:buClr>
+                <a:schemeClr val="accent2"/>
+              </a:buClr>
+              <a:buSzPct val="92000"/>
+              <a:buFont typeface="Wingdings 2" panose="05020102010507070707" pitchFamily="18" charset="2"/>
+              <a:buChar char=""/>
+              <a:defRPr sz="1800" kern="1200">
+                <a:solidFill>
+                  <a:schemeClr val="tx2"/>
+                </a:solidFill>
+                <a:latin typeface="+mn-lt"/>
+                <a:ea typeface="+mn-ea"/>
+                <a:cs typeface="+mn-cs"/>
+              </a:defRPr>
+            </a:lvl1pPr>
+            <a:lvl2pPr marL="630000" indent="-306000" algn="l" defTabSz="457200" rtl="0" eaLnBrk="1" latinLnBrk="0" hangingPunct="1">
+              <a:spcBef>
+                <a:spcPct val="20000"/>
+              </a:spcBef>
+              <a:spcAft>
+                <a:spcPts val="600"/>
+              </a:spcAft>
+              <a:buClr>
+                <a:schemeClr val="accent2"/>
+              </a:buClr>
+              <a:buSzPct val="92000"/>
+              <a:buFont typeface="Wingdings 2" panose="05020102010507070707" pitchFamily="18" charset="2"/>
+              <a:buChar char=""/>
+              <a:defRPr sz="1600" kern="1200">
+                <a:solidFill>
+                  <a:schemeClr val="tx2"/>
+                </a:solidFill>
+                <a:latin typeface="+mn-lt"/>
+                <a:ea typeface="+mn-ea"/>
+                <a:cs typeface="+mn-cs"/>
+              </a:defRPr>
+            </a:lvl2pPr>
+            <a:lvl3pPr marL="900000" indent="-270000" algn="l" defTabSz="457200" rtl="0" eaLnBrk="1" latinLnBrk="0" hangingPunct="1">
+              <a:spcBef>
+                <a:spcPct val="20000"/>
+              </a:spcBef>
+              <a:spcAft>
+                <a:spcPts val="600"/>
+              </a:spcAft>
+              <a:buClr>
+                <a:schemeClr val="accent2"/>
+              </a:buClr>
+              <a:buSzPct val="92000"/>
+              <a:buFont typeface="Wingdings 2" panose="05020102010507070707" pitchFamily="18" charset="2"/>
+              <a:buChar char=""/>
+              <a:defRPr sz="1400" kern="1200">
+                <a:solidFill>
+                  <a:schemeClr val="tx2"/>
+                </a:solidFill>
+                <a:latin typeface="+mn-lt"/>
+                <a:ea typeface="+mn-ea"/>
+                <a:cs typeface="+mn-cs"/>
+              </a:defRPr>
+            </a:lvl3pPr>
+            <a:lvl4pPr marL="1242000" indent="-234000" algn="l" defTabSz="457200" rtl="0" eaLnBrk="1" latinLnBrk="0" hangingPunct="1">
+              <a:spcBef>
+                <a:spcPct val="20000"/>
+              </a:spcBef>
+              <a:spcAft>
+                <a:spcPts val="600"/>
+              </a:spcAft>
+              <a:buClr>
+                <a:schemeClr val="accent2"/>
+              </a:buClr>
+              <a:buSzPct val="92000"/>
+              <a:buFont typeface="Wingdings 2" panose="05020102010507070707" pitchFamily="18" charset="2"/>
+              <a:buChar char=""/>
+              <a:defRPr sz="1200" kern="1200">
+                <a:solidFill>
+                  <a:schemeClr val="tx2"/>
+                </a:solidFill>
+                <a:latin typeface="+mn-lt"/>
+                <a:ea typeface="+mn-ea"/>
+                <a:cs typeface="+mn-cs"/>
+              </a:defRPr>
+            </a:lvl4pPr>
+            <a:lvl5pPr marL="1602000" indent="-234000" algn="l" defTabSz="457200" rtl="0" eaLnBrk="1" latinLnBrk="0" hangingPunct="1">
+              <a:spcBef>
+                <a:spcPct val="20000"/>
+              </a:spcBef>
+              <a:spcAft>
+                <a:spcPts val="600"/>
+              </a:spcAft>
+              <a:buClr>
+                <a:schemeClr val="accent2"/>
+              </a:buClr>
+              <a:buSzPct val="92000"/>
+              <a:buFont typeface="Wingdings 2" panose="05020102010507070707" pitchFamily="18" charset="2"/>
+              <a:buChar char=""/>
+              <a:defRPr sz="1200" kern="1200">
+                <a:solidFill>
+                  <a:schemeClr val="tx2"/>
+                </a:solidFill>
+                <a:latin typeface="+mn-lt"/>
+                <a:ea typeface="+mn-ea"/>
+                <a:cs typeface="+mn-cs"/>
+              </a:defRPr>
+            </a:lvl5pPr>
+            <a:lvl6pPr marL="1900000" indent="-228600" algn="l" defTabSz="457200" rtl="0" eaLnBrk="1" latinLnBrk="0" hangingPunct="1">
+              <a:spcBef>
+                <a:spcPct val="20000"/>
+              </a:spcBef>
+              <a:spcAft>
+                <a:spcPts val="600"/>
+              </a:spcAft>
+              <a:buClr>
+                <a:schemeClr val="accent2"/>
+              </a:buClr>
+              <a:buSzPct val="92000"/>
+              <a:buFont typeface="Wingdings 2" panose="05020102010507070707" pitchFamily="18" charset="2"/>
+              <a:buChar char=""/>
+              <a:defRPr sz="1200" kern="1200">
+                <a:solidFill>
+                  <a:schemeClr val="tx2"/>
+                </a:solidFill>
+                <a:latin typeface="+mn-lt"/>
+                <a:ea typeface="+mn-ea"/>
+                <a:cs typeface="+mn-cs"/>
+              </a:defRPr>
+            </a:lvl6pPr>
+            <a:lvl7pPr marL="2200000" indent="-228600" algn="l" defTabSz="457200" rtl="0" eaLnBrk="1" latinLnBrk="0" hangingPunct="1">
+              <a:spcBef>
+                <a:spcPct val="20000"/>
+              </a:spcBef>
+              <a:spcAft>
+                <a:spcPts val="600"/>
+              </a:spcAft>
+              <a:buClr>
+                <a:schemeClr val="accent2"/>
+              </a:buClr>
+              <a:buSzPct val="92000"/>
+              <a:buFont typeface="Wingdings 2" panose="05020102010507070707" pitchFamily="18" charset="2"/>
+              <a:buChar char=""/>
+              <a:defRPr sz="1200" kern="1200">
+                <a:solidFill>
+                  <a:schemeClr val="tx2"/>
+                </a:solidFill>
+                <a:latin typeface="+mn-lt"/>
+                <a:ea typeface="+mn-ea"/>
+                <a:cs typeface="+mn-cs"/>
+              </a:defRPr>
+            </a:lvl7pPr>
+            <a:lvl8pPr marL="2500000" indent="-228600" algn="l" defTabSz="457200" rtl="0" eaLnBrk="1" latinLnBrk="0" hangingPunct="1">
+              <a:spcBef>
+                <a:spcPct val="20000"/>
+              </a:spcBef>
+              <a:spcAft>
+                <a:spcPts val="600"/>
+              </a:spcAft>
+              <a:buClr>
+                <a:schemeClr val="accent2"/>
+              </a:buClr>
+              <a:buSzPct val="92000"/>
+              <a:buFont typeface="Wingdings 2" panose="05020102010507070707" pitchFamily="18" charset="2"/>
+              <a:buChar char=""/>
+              <a:defRPr sz="1200" kern="1200">
+                <a:solidFill>
+                  <a:schemeClr val="tx2"/>
+                </a:solidFill>
+                <a:latin typeface="+mn-lt"/>
+                <a:ea typeface="+mn-ea"/>
+                <a:cs typeface="+mn-cs"/>
+              </a:defRPr>
+            </a:lvl8pPr>
+            <a:lvl9pPr marL="2800000" indent="-228600" algn="l" defTabSz="457200" rtl="0" eaLnBrk="1" latinLnBrk="0" hangingPunct="1">
+              <a:spcBef>
+                <a:spcPct val="20000"/>
+              </a:spcBef>
+              <a:spcAft>
+                <a:spcPts val="600"/>
+              </a:spcAft>
+              <a:buClr>
+                <a:schemeClr val="accent2"/>
+              </a:buClr>
+              <a:buSzPct val="92000"/>
+              <a:buFont typeface="Wingdings 2" panose="05020102010507070707" pitchFamily="18" charset="2"/>
+              <a:buChar char=""/>
+              <a:defRPr sz="1200" kern="1200">
+                <a:solidFill>
+                  <a:schemeClr val="tx2"/>
+                </a:solidFill>
+                <a:latin typeface="+mn-lt"/>
+                <a:ea typeface="+mn-ea"/>
+                <a:cs typeface="+mn-cs"/>
+              </a:defRPr>
+            </a:lvl9pPr>
+          </a:lstStyle>
+          <a:p>
+            <a:pPr marL="0" indent="0">
+              <a:buFont typeface="Wingdings 2" panose="05020102010507070707" pitchFamily="18" charset="2"/>
+              <a:buNone/>
+            </a:pPr>
+            <a:r>
+              <a:rPr lang="ru-RU" dirty="0" smtClean="0"/>
+              <a:t>Как не надо писать потоки для </a:t>
+            </a:r>
+            <a:r>
+              <a:rPr lang="en-US" dirty="0" smtClean="0"/>
+              <a:t>CIC</a:t>
+            </a:r>
+            <a:endParaRPr lang="ru-RU" dirty="0" smtClean="0"/>
+          </a:p>
+          <a:p>
+            <a:r>
+              <a:rPr lang="en-US" dirty="0" err="1" smtClean="0"/>
+              <a:t>StreamMarkupBuilder</a:t>
+            </a:r>
+            <a:r>
+              <a:rPr lang="en-US" dirty="0" smtClean="0"/>
+              <a:t> </a:t>
+            </a:r>
+            <a:r>
+              <a:rPr lang="ru-RU" dirty="0" smtClean="0"/>
+              <a:t>жрёт много памяти</a:t>
+            </a:r>
+            <a:r>
+              <a:rPr lang="en-US" dirty="0" smtClean="0"/>
+              <a:t> – </a:t>
+            </a:r>
+            <a:r>
+              <a:rPr lang="ru-RU" dirty="0" smtClean="0"/>
+              <a:t>в </a:t>
+            </a:r>
+            <a:r>
+              <a:rPr lang="en-US" dirty="0" smtClean="0"/>
+              <a:t>CPI </a:t>
+            </a:r>
+            <a:r>
+              <a:rPr lang="ru-RU" dirty="0" smtClean="0"/>
+              <a:t>это не наша проблема</a:t>
+            </a:r>
+          </a:p>
+          <a:p>
+            <a:r>
+              <a:rPr lang="ru-RU" dirty="0" smtClean="0"/>
+              <a:t>Бездумное хранение всего в </a:t>
+            </a:r>
+            <a:r>
+              <a:rPr lang="ru-RU" dirty="0" err="1" smtClean="0"/>
+              <a:t>пропертях</a:t>
+            </a:r>
+            <a:r>
+              <a:rPr lang="ru-RU" dirty="0" smtClean="0"/>
+              <a:t> жрёт ресурсы – в </a:t>
+            </a:r>
+            <a:r>
+              <a:rPr lang="en-US" dirty="0" smtClean="0"/>
+              <a:t>CPI </a:t>
+            </a:r>
+            <a:r>
+              <a:rPr lang="ru-RU" dirty="0" smtClean="0"/>
+              <a:t>это не наша проблема</a:t>
+            </a:r>
+          </a:p>
+          <a:p>
+            <a:r>
+              <a:rPr lang="ru-RU" dirty="0" smtClean="0"/>
+              <a:t>Каждый поток == </a:t>
+            </a:r>
+            <a:r>
+              <a:rPr lang="en-US" dirty="0" smtClean="0"/>
+              <a:t>SAP </a:t>
+            </a:r>
+            <a:r>
+              <a:rPr lang="ru-RU" dirty="0" smtClean="0"/>
+              <a:t>приложение. </a:t>
+            </a:r>
+            <a:r>
+              <a:rPr lang="en-US" dirty="0" smtClean="0"/>
+              <a:t>“</a:t>
+            </a:r>
+            <a:r>
+              <a:rPr lang="ru-RU" dirty="0" smtClean="0"/>
+              <a:t>Не ешь, </a:t>
+            </a:r>
+            <a:r>
+              <a:rPr lang="ru-RU" dirty="0" err="1" smtClean="0"/>
+              <a:t>подумой</a:t>
+            </a:r>
+            <a:r>
+              <a:rPr lang="ru-RU" dirty="0" smtClean="0"/>
+              <a:t>!</a:t>
+            </a:r>
+            <a:r>
+              <a:rPr lang="en-US" dirty="0" smtClean="0"/>
+              <a:t>” (c)</a:t>
+            </a:r>
+          </a:p>
+          <a:p>
+            <a:pPr lvl="1"/>
+            <a:r>
+              <a:rPr lang="ru-RU" dirty="0" smtClean="0"/>
+              <a:t>Каждый </a:t>
+            </a:r>
+            <a:r>
+              <a:rPr lang="ru-RU" dirty="0" err="1" smtClean="0"/>
+              <a:t>ендпоинт</a:t>
+            </a:r>
+            <a:r>
+              <a:rPr lang="ru-RU" dirty="0" smtClean="0"/>
+              <a:t> </a:t>
+            </a:r>
+            <a:r>
+              <a:rPr lang="ru-RU" dirty="0" err="1" smtClean="0"/>
+              <a:t>сендера</a:t>
+            </a:r>
+            <a:r>
+              <a:rPr lang="ru-RU" dirty="0" smtClean="0"/>
+              <a:t> это отдельный </a:t>
+            </a:r>
+            <a:r>
+              <a:rPr lang="ru-RU" dirty="0" err="1" smtClean="0"/>
+              <a:t>алиас</a:t>
+            </a:r>
+            <a:endParaRPr lang="en-US" dirty="0" smtClean="0"/>
+          </a:p>
+          <a:p>
+            <a:r>
+              <a:rPr lang="ru-RU" dirty="0" smtClean="0"/>
+              <a:t>Не надо использовать </a:t>
+            </a:r>
+            <a:r>
+              <a:rPr lang="en-US" dirty="0" smtClean="0"/>
+              <a:t>XI </a:t>
+            </a:r>
+            <a:r>
+              <a:rPr lang="ru-RU" dirty="0" smtClean="0"/>
+              <a:t>протокол бездумно – у нас под боком шина для этого</a:t>
+            </a:r>
+            <a:r>
+              <a:rPr lang="ru-RU" dirty="0"/>
+              <a:t> – в </a:t>
+            </a:r>
+            <a:r>
+              <a:rPr lang="en-US" dirty="0"/>
+              <a:t>CPI </a:t>
+            </a:r>
+            <a:r>
+              <a:rPr lang="ru-RU" dirty="0"/>
+              <a:t>это тоже проблема, жрёт соединения с БД</a:t>
+            </a:r>
+            <a:endParaRPr lang="ru-RU" dirty="0" smtClean="0"/>
+          </a:p>
+          <a:p>
+            <a:r>
+              <a:rPr lang="ru-RU" dirty="0" smtClean="0"/>
+              <a:t>Не надо делать </a:t>
+            </a:r>
+            <a:r>
+              <a:rPr lang="ru-RU" dirty="0" err="1" smtClean="0"/>
+              <a:t>транзакционность</a:t>
+            </a:r>
+            <a:r>
+              <a:rPr lang="ru-RU" dirty="0" smtClean="0"/>
+              <a:t> – в </a:t>
+            </a:r>
+            <a:r>
+              <a:rPr lang="en-US" dirty="0" smtClean="0"/>
+              <a:t>CPI </a:t>
+            </a:r>
+            <a:r>
+              <a:rPr lang="ru-RU" dirty="0" smtClean="0"/>
+              <a:t>это тоже проблема, жрёт соединения с БД</a:t>
+            </a:r>
+            <a:endParaRPr lang="en-US" dirty="0" smtClean="0"/>
+          </a:p>
+          <a:p>
+            <a:endParaRPr lang="ru-RU" dirty="0" smtClean="0"/>
+          </a:p>
+          <a:p>
+            <a:endParaRPr lang="en-US" dirty="0" smtClean="0"/>
+          </a:p>
+        </p:txBody>
+      </p:sp>
+    </p:spTree>
+    <p:extLst>
+      <p:ext uri="{BB962C8B-B14F-4D97-AF65-F5344CB8AC3E}">
+        <p14:creationId xmlns:p14="http://schemas.microsoft.com/office/powerpoint/2010/main" val="1697306384"/>
+      </p:ext>
+    </p:extLst>
+  </p:cSld>
+  <p:clrMapOvr>
+    <a:masterClrMapping/>
+  </p:clrMapOvr>
+</p:sld>
+</file>
+
+<file path=ppt/slides/slide15.xml><?xml version="1.0" encoding="utf-8"?>
+<p:sld xmlns:a="http://schemas.openxmlformats.org/drawingml/2006/main" xmlns:r="http://schemas.openxmlformats.org/officeDocument/2006/relationships" xmlns:p="http://schemas.openxmlformats.org/presentationml/2006/main">
+  <p:cSld>
+    <p:spTree>
+      <p:nvGrpSpPr>
+        <p:cNvPr id="1" name=""/>
+        <p:cNvGrpSpPr/>
+        <p:nvPr/>
+      </p:nvGrpSpPr>
+      <p:grpSpPr>
+        <a:xfrm>
+          <a:off x="0" y="0"/>
+          <a:ext cx="0" cy="0"/>
+          <a:chOff x="0" y="0"/>
+          <a:chExt cx="0" cy="0"/>
+        </a:xfrm>
+      </p:grpSpPr>
+      <p:pic>
+        <p:nvPicPr>
+          <p:cNvPr id="2" name="Рисунок 1"/>
+          <p:cNvPicPr>
+            <a:picLocks noChangeAspect="1"/>
+          </p:cNvPicPr>
+          <p:nvPr/>
+        </p:nvPicPr>
+        <p:blipFill>
+          <a:blip r:embed="rId2"/>
+          <a:stretch>
+            <a:fillRect/>
+          </a:stretch>
+        </p:blipFill>
+        <p:spPr>
+          <a:xfrm>
+            <a:off x="2423863" y="601579"/>
+            <a:ext cx="7385884" cy="6120967"/>
+          </a:xfrm>
+          <a:prstGeom prst="rect">
+            <a:avLst/>
+          </a:prstGeom>
+        </p:spPr>
+      </p:pic>
+    </p:spTree>
+    <p:extLst>
+      <p:ext uri="{BB962C8B-B14F-4D97-AF65-F5344CB8AC3E}">
+        <p14:creationId xmlns:p14="http://schemas.microsoft.com/office/powerpoint/2010/main" val="3536302501"/>
+      </p:ext>
+    </p:extLst>
+  </p:cSld>
+  <p:clrMapOvr>
+    <a:masterClrMapping/>
+  </p:clrMapOvr>
+</p:sld>
+</file>
+
+<file path=ppt/slides/slide16.xml><?xml version="1.0" encoding="utf-8"?>
+<p:sld xmlns:a="http://schemas.openxmlformats.org/drawingml/2006/main" xmlns:r="http://schemas.openxmlformats.org/officeDocument/2006/relationships" xmlns:p="http://schemas.openxmlformats.org/presentationml/2006/main">
+  <p:cSld>
+    <p:spTree>
+      <p:nvGrpSpPr>
+        <p:cNvPr id="1" name=""/>
+        <p:cNvGrpSpPr/>
+        <p:nvPr/>
+      </p:nvGrpSpPr>
+      <p:grpSpPr>
+        <a:xfrm>
+          <a:off x="0" y="0"/>
+          <a:ext cx="0" cy="0"/>
+          <a:chOff x="0" y="0"/>
+          <a:chExt cx="0" cy="0"/>
+        </a:xfrm>
+      </p:grpSpPr>
+      <p:pic>
+        <p:nvPicPr>
+          <p:cNvPr id="3" name="Рисунок 2"/>
+          <p:cNvPicPr>
+            <a:picLocks noChangeAspect="1"/>
+          </p:cNvPicPr>
+          <p:nvPr/>
+        </p:nvPicPr>
+        <p:blipFill>
+          <a:blip r:embed="rId2"/>
+          <a:stretch>
+            <a:fillRect/>
+          </a:stretch>
+        </p:blipFill>
+        <p:spPr>
+          <a:xfrm>
+            <a:off x="1751560" y="508000"/>
+            <a:ext cx="8914852" cy="6261100"/>
+          </a:xfrm>
+          <a:prstGeom prst="rect">
+            <a:avLst/>
+          </a:prstGeom>
+        </p:spPr>
+      </p:pic>
+    </p:spTree>
+    <p:extLst>
+      <p:ext uri="{BB962C8B-B14F-4D97-AF65-F5344CB8AC3E}">
+        <p14:creationId xmlns:p14="http://schemas.microsoft.com/office/powerpoint/2010/main" val="3033694287"/>
+      </p:ext>
+    </p:extLst>
+  </p:cSld>
+  <p:clrMapOvr>
+    <a:masterClrMapping/>
+  </p:clrMapOvr>
+</p:sld>
+</file>
+
+<file path=ppt/slides/slide17.xml><?xml version="1.0" encoding="utf-8"?>
+<p:sld xmlns:a="http://schemas.openxmlformats.org/drawingml/2006/main" xmlns:r="http://schemas.openxmlformats.org/officeDocument/2006/relationships" xmlns:p="http://schemas.openxmlformats.org/presentationml/2006/main">
+  <p:cSld>
+    <p:spTree>
+      <p:nvGrpSpPr>
+        <p:cNvPr id="1" name=""/>
+        <p:cNvGrpSpPr/>
+        <p:nvPr/>
+      </p:nvGrpSpPr>
+      <p:grpSpPr>
+        <a:xfrm>
+          <a:off x="0" y="0"/>
+          <a:ext cx="0" cy="0"/>
+          <a:chOff x="0" y="0"/>
+          <a:chExt cx="0" cy="0"/>
+        </a:xfrm>
+      </p:grpSpPr>
+      <p:sp>
+        <p:nvSpPr>
+          <p:cNvPr id="4" name="Заголовок 3"/>
+          <p:cNvSpPr>
+            <a:spLocks noGrp="1"/>
+          </p:cNvSpPr>
+          <p:nvPr>
+            <p:ph type="title"/>
+          </p:nvPr>
+        </p:nvSpPr>
+        <p:spPr/>
+        <p:txBody>
+          <a:bodyPr/>
+          <a:lstStyle/>
+          <a:p>
+            <a:r>
+              <a:rPr lang="ru-RU" dirty="0" smtClean="0"/>
+              <a:t>Когда </a:t>
+            </a:r>
+            <a:r>
+              <a:rPr lang="en-US" dirty="0" smtClean="0"/>
+              <a:t>CIC</a:t>
+            </a:r>
+            <a:r>
+              <a:rPr lang="ru-RU" dirty="0"/>
+              <a:t> </a:t>
+            </a:r>
+            <a:r>
+              <a:rPr lang="ru-RU" dirty="0" smtClean="0"/>
+              <a:t>первый кандидат</a:t>
+            </a:r>
+            <a:endParaRPr lang="ru-RU" dirty="0"/>
+          </a:p>
+        </p:txBody>
+      </p:sp>
+      <p:sp>
+        <p:nvSpPr>
+          <p:cNvPr id="5" name="Объект 4"/>
+          <p:cNvSpPr>
+            <a:spLocks noGrp="1"/>
+          </p:cNvSpPr>
+          <p:nvPr>
+            <p:ph idx="1"/>
+          </p:nvPr>
+        </p:nvSpPr>
+        <p:spPr/>
+        <p:txBody>
+          <a:bodyPr/>
+          <a:lstStyle/>
+          <a:p>
+            <a:r>
+              <a:rPr lang="ru-RU" dirty="0" err="1" smtClean="0"/>
+              <a:t>Датасторы</a:t>
+            </a:r>
+            <a:r>
+              <a:rPr lang="ru-RU" dirty="0" smtClean="0"/>
+              <a:t>!!!</a:t>
+            </a:r>
+          </a:p>
+          <a:p>
+            <a:r>
+              <a:rPr lang="en-US" dirty="0" smtClean="0"/>
+              <a:t>OData Sender </a:t>
+            </a:r>
+            <a:r>
+              <a:rPr lang="ru-RU" dirty="0" smtClean="0"/>
+              <a:t>– его нет в </a:t>
+            </a:r>
+            <a:r>
+              <a:rPr lang="en-US" dirty="0" smtClean="0"/>
+              <a:t>PI</a:t>
+            </a:r>
+          </a:p>
+          <a:p>
+            <a:r>
+              <a:rPr lang="ru-RU" dirty="0" smtClean="0"/>
+              <a:t>Авторизации </a:t>
+            </a:r>
+            <a:r>
+              <a:rPr lang="en-US" smtClean="0"/>
+              <a:t>OAuth Receiver</a:t>
+            </a:r>
+            <a:r>
+              <a:rPr lang="ru-RU" smtClean="0"/>
+              <a:t>, </a:t>
+            </a:r>
+            <a:r>
+              <a:rPr lang="ru-RU" dirty="0" smtClean="0"/>
+              <a:t>всякие </a:t>
+            </a:r>
+            <a:r>
+              <a:rPr lang="ru-RU" dirty="0" err="1" smtClean="0"/>
+              <a:t>токены</a:t>
+            </a:r>
+            <a:endParaRPr lang="en-US" dirty="0" smtClean="0"/>
+          </a:p>
+          <a:p>
+            <a:r>
+              <a:rPr lang="ru-RU" dirty="0" smtClean="0"/>
+              <a:t>Надо </a:t>
+            </a:r>
+            <a:r>
+              <a:rPr lang="ru-RU" dirty="0" err="1" smtClean="0"/>
+              <a:t>заюзать</a:t>
+            </a:r>
+            <a:r>
+              <a:rPr lang="ru-RU" dirty="0" smtClean="0"/>
+              <a:t> </a:t>
+            </a:r>
+            <a:r>
+              <a:rPr lang="ru-RU" dirty="0" err="1" smtClean="0"/>
+              <a:t>кэмел</a:t>
+            </a:r>
+            <a:r>
+              <a:rPr lang="ru-RU" dirty="0" smtClean="0"/>
+              <a:t> через его </a:t>
+            </a:r>
+            <a:r>
+              <a:rPr lang="ru-RU" dirty="0" err="1" smtClean="0"/>
+              <a:t>апи</a:t>
+            </a:r>
+            <a:r>
+              <a:rPr lang="ru-RU" dirty="0" smtClean="0"/>
+              <a:t> в потоке (для работы с сырым </a:t>
+            </a:r>
+            <a:r>
+              <a:rPr lang="en-US" dirty="0" err="1" smtClean="0"/>
+              <a:t>CamelContext</a:t>
+            </a:r>
+            <a:r>
+              <a:rPr lang="ru-RU" dirty="0" smtClean="0"/>
+              <a:t>, это зачастую удобнее кубиков)</a:t>
+            </a:r>
+          </a:p>
+          <a:p>
+            <a:r>
+              <a:rPr lang="ru-RU" dirty="0" smtClean="0"/>
+              <a:t>Миграция готового содержимого из </a:t>
+            </a:r>
+            <a:r>
+              <a:rPr lang="ru-RU" dirty="0" smtClean="0"/>
+              <a:t>облака</a:t>
+            </a:r>
+            <a:r>
+              <a:rPr lang="en-US" dirty="0" smtClean="0"/>
+              <a:t> CPI</a:t>
+            </a:r>
+            <a:r>
+              <a:rPr lang="ru-RU" dirty="0" smtClean="0"/>
+              <a:t> </a:t>
+            </a:r>
+            <a:r>
+              <a:rPr lang="ru-RU" dirty="0" smtClean="0"/>
+              <a:t>на землю</a:t>
+            </a:r>
+          </a:p>
+          <a:p>
+            <a:pPr marL="0" indent="0">
+              <a:buNone/>
+            </a:pPr>
+            <a:r>
+              <a:rPr lang="ru-RU" dirty="0" smtClean="0"/>
+              <a:t>Нюансы</a:t>
+            </a:r>
+          </a:p>
+          <a:p>
+            <a:r>
+              <a:rPr lang="en-US" dirty="0"/>
+              <a:t>IGW</a:t>
+            </a:r>
+            <a:r>
+              <a:rPr lang="ru-RU" dirty="0"/>
+              <a:t> слушает на отдельных </a:t>
+            </a:r>
+            <a:r>
+              <a:rPr lang="en-US" dirty="0"/>
+              <a:t>/</a:t>
+            </a:r>
+            <a:r>
+              <a:rPr lang="en-US" dirty="0" err="1"/>
+              <a:t>igwhttp</a:t>
+            </a:r>
+            <a:r>
+              <a:rPr lang="en-US" dirty="0"/>
+              <a:t>, /</a:t>
+            </a:r>
+            <a:r>
+              <a:rPr lang="en-US" dirty="0" err="1"/>
+              <a:t>igwcxf</a:t>
+            </a:r>
+            <a:r>
+              <a:rPr lang="en-US" dirty="0"/>
+              <a:t>, /</a:t>
+            </a:r>
+            <a:r>
+              <a:rPr lang="en-US" dirty="0" err="1" smtClean="0"/>
+              <a:t>igwsvc</a:t>
+            </a:r>
+            <a:r>
+              <a:rPr lang="en-US" dirty="0" smtClean="0"/>
+              <a:t>/</a:t>
+            </a:r>
+            <a:r>
+              <a:rPr lang="en-US" dirty="0" err="1" smtClean="0"/>
+              <a:t>odata</a:t>
+            </a:r>
+            <a:r>
+              <a:rPr lang="ru-RU" dirty="0" smtClean="0"/>
+              <a:t> </a:t>
+            </a:r>
+            <a:r>
+              <a:rPr lang="ru-RU" dirty="0" smtClean="0"/>
+              <a:t>но с общим</a:t>
+            </a:r>
+            <a:r>
+              <a:rPr lang="en-US" dirty="0" smtClean="0"/>
+              <a:t> ICM / </a:t>
+            </a:r>
+            <a:r>
+              <a:rPr lang="en-US" dirty="0" err="1" smtClean="0"/>
+              <a:t>WebDispatcher</a:t>
+            </a:r>
+            <a:r>
+              <a:rPr lang="ru-RU" dirty="0" smtClean="0"/>
+              <a:t>. Это отдельные правила публикации ресурсов</a:t>
+            </a:r>
+            <a:endParaRPr lang="ru-RU" dirty="0"/>
+          </a:p>
+        </p:txBody>
+      </p:sp>
+    </p:spTree>
+    <p:extLst>
+      <p:ext uri="{BB962C8B-B14F-4D97-AF65-F5344CB8AC3E}">
+        <p14:creationId xmlns:p14="http://schemas.microsoft.com/office/powerpoint/2010/main" val="4114655408"/>
+      </p:ext>
+    </p:extLst>
+  </p:cSld>
+  <p:clrMapOvr>
+    <a:masterClrMapping/>
+  </p:clrMapOvr>
+</p:sld>
+</file>
+
+<file path=ppt/slides/slide18.xml><?xml version="1.0" encoding="utf-8"?>
+<p:sld xmlns:a="http://schemas.openxmlformats.org/drawingml/2006/main" xmlns:r="http://schemas.openxmlformats.org/officeDocument/2006/relationships" xmlns:p="http://schemas.openxmlformats.org/presentationml/2006/main" show="0">
+  <p:cSld>
+    <p:spTree>
+      <p:nvGrpSpPr>
+        <p:cNvPr id="1" name=""/>
+        <p:cNvGrpSpPr/>
+        <p:nvPr/>
+      </p:nvGrpSpPr>
+      <p:grpSpPr>
+        <a:xfrm>
+          <a:off x="0" y="0"/>
+          <a:ext cx="0" cy="0"/>
+          <a:chOff x="0" y="0"/>
+          <a:chExt cx="0" cy="0"/>
+        </a:xfrm>
+      </p:grpSpPr>
+      <p:sp>
+        <p:nvSpPr>
+          <p:cNvPr id="2" name="Заголовок 1"/>
+          <p:cNvSpPr>
+            <a:spLocks noGrp="1"/>
+          </p:cNvSpPr>
+          <p:nvPr>
+            <p:ph type="title"/>
+          </p:nvPr>
+        </p:nvSpPr>
+        <p:spPr/>
+        <p:txBody>
+          <a:bodyPr/>
+          <a:lstStyle/>
+          <a:p>
+            <a:r>
+              <a:rPr lang="ru-RU" dirty="0" smtClean="0"/>
+              <a:t>что БУДЕТ потом</a:t>
+            </a:r>
+            <a:endParaRPr lang="ru-RU" dirty="0"/>
+          </a:p>
+        </p:txBody>
+      </p:sp>
+      <p:sp>
+        <p:nvSpPr>
+          <p:cNvPr id="3" name="Объект 2"/>
+          <p:cNvSpPr>
+            <a:spLocks noGrp="1"/>
+          </p:cNvSpPr>
+          <p:nvPr>
+            <p:ph idx="1"/>
+          </p:nvPr>
+        </p:nvSpPr>
+        <p:spPr/>
+        <p:txBody>
+          <a:bodyPr>
+            <a:normAutofit lnSpcReduction="10000"/>
+          </a:bodyPr>
+          <a:lstStyle/>
+          <a:p>
+            <a:pPr marL="0" indent="0" algn="r">
+              <a:buNone/>
+            </a:pPr>
+            <a:r>
+              <a:rPr lang="en-US" sz="1400" dirty="0" smtClean="0"/>
+              <a:t>“</a:t>
+            </a:r>
+            <a:r>
+              <a:rPr lang="ru-RU" dirty="0" smtClean="0"/>
+              <a:t>Гоголь </a:t>
+            </a:r>
+            <a:r>
+              <a:rPr lang="ru-RU" dirty="0"/>
+              <a:t>страдал тройственностью, которая заключалась в том, что одной ногой он стоял в темном прошлом, другой приветствовал светлое будущее, а между ног у него была страшная </a:t>
+            </a:r>
+            <a:r>
+              <a:rPr lang="ru-RU" dirty="0" smtClean="0"/>
+              <a:t>действительность</a:t>
+            </a:r>
+            <a:r>
+              <a:rPr lang="en-US" dirty="0" smtClean="0"/>
+              <a:t>”</a:t>
+            </a:r>
+            <a:r>
+              <a:rPr lang="ru-RU" dirty="0" smtClean="0"/>
+              <a:t/>
+            </a:r>
+            <a:br>
+              <a:rPr lang="ru-RU" dirty="0" smtClean="0"/>
+            </a:br>
+            <a:r>
+              <a:rPr lang="ru-RU" sz="1200" i="1" dirty="0"/>
+              <a:t>Из школьного </a:t>
+            </a:r>
+            <a:r>
+              <a:rPr lang="ru-RU" sz="1200" i="1" dirty="0" smtClean="0"/>
+              <a:t>сочинения</a:t>
+            </a:r>
+            <a:br>
+              <a:rPr lang="ru-RU" sz="1200" i="1" dirty="0" smtClean="0"/>
+            </a:br>
+            <a:r>
+              <a:rPr lang="ru-RU" sz="1200" i="1" dirty="0" smtClean="0"/>
+              <a:t/>
+            </a:r>
+            <a:br>
+              <a:rPr lang="ru-RU" sz="1200" i="1" dirty="0" smtClean="0"/>
+            </a:br>
+            <a:r>
+              <a:rPr lang="ru-RU" sz="1200" i="1" dirty="0" smtClean="0"/>
+              <a:t/>
+            </a:r>
+            <a:br>
+              <a:rPr lang="ru-RU" sz="1200" i="1" dirty="0" smtClean="0"/>
+            </a:br>
+            <a:r>
+              <a:rPr lang="ru-RU" sz="1200" i="1" dirty="0" smtClean="0"/>
+              <a:t/>
+            </a:r>
+            <a:br>
+              <a:rPr lang="ru-RU" sz="1200" i="1" dirty="0" smtClean="0"/>
+            </a:br>
+            <a:endParaRPr lang="en-US" i="1" dirty="0" smtClean="0"/>
+          </a:p>
+          <a:p>
+            <a:r>
+              <a:rPr lang="ru-RU" dirty="0" smtClean="0"/>
+              <a:t>Сам по себе </a:t>
+            </a:r>
+            <a:r>
+              <a:rPr lang="ru-RU" dirty="0" err="1" smtClean="0"/>
+              <a:t>рантайм</a:t>
+            </a:r>
+            <a:r>
+              <a:rPr lang="ru-RU" dirty="0" smtClean="0"/>
+              <a:t> </a:t>
+            </a:r>
+            <a:r>
+              <a:rPr lang="en-US" dirty="0" smtClean="0"/>
+              <a:t>CIC </a:t>
+            </a:r>
+            <a:r>
+              <a:rPr lang="ru-RU" dirty="0" smtClean="0"/>
+              <a:t>хорош </a:t>
+            </a:r>
+            <a:r>
+              <a:rPr lang="ru-RU" dirty="0" smtClean="0"/>
+              <a:t>– можно при желании сделать свой ЖЦ разработки</a:t>
+            </a:r>
+          </a:p>
+          <a:p>
+            <a:pPr lvl="1"/>
+            <a:r>
+              <a:rPr lang="ru-RU" dirty="0" smtClean="0"/>
+              <a:t>Думатель трансляции из </a:t>
+            </a:r>
+            <a:r>
+              <a:rPr lang="en-US" dirty="0" smtClean="0"/>
+              <a:t>IFLW </a:t>
+            </a:r>
+            <a:r>
+              <a:rPr lang="ru-RU" dirty="0" smtClean="0"/>
+              <a:t>в </a:t>
+            </a:r>
+            <a:r>
+              <a:rPr lang="en-US" dirty="0" smtClean="0"/>
+              <a:t>JAR </a:t>
+            </a:r>
+            <a:r>
+              <a:rPr lang="ru-RU" dirty="0" smtClean="0"/>
+              <a:t>находится внутри </a:t>
+            </a:r>
+            <a:r>
+              <a:rPr lang="en-US" dirty="0" smtClean="0"/>
+              <a:t>PO/CIC </a:t>
+            </a:r>
+            <a:r>
+              <a:rPr lang="ru-RU" dirty="0" smtClean="0"/>
+              <a:t>и не зависит от облачного</a:t>
+            </a:r>
+            <a:r>
+              <a:rPr lang="en-US" dirty="0" smtClean="0"/>
+              <a:t> </a:t>
+            </a:r>
+            <a:r>
+              <a:rPr lang="en-US" dirty="0" err="1" smtClean="0"/>
+              <a:t>WebUI</a:t>
+            </a:r>
+            <a:endParaRPr lang="ru-RU" dirty="0" smtClean="0"/>
+          </a:p>
+          <a:p>
+            <a:pPr lvl="1"/>
+            <a:r>
+              <a:rPr lang="en-US" dirty="0" smtClean="0"/>
+              <a:t>IFLW </a:t>
+            </a:r>
+            <a:r>
+              <a:rPr lang="ru-RU" dirty="0" smtClean="0"/>
+              <a:t>можно писать руками (при должном навыке и проверке синтаксиса) или написать транслятор </a:t>
+            </a:r>
+            <a:r>
+              <a:rPr lang="en-US" dirty="0" smtClean="0"/>
+              <a:t>YAML&gt;&gt;</a:t>
+            </a:r>
+            <a:r>
+              <a:rPr lang="en-US" dirty="0" smtClean="0"/>
+              <a:t>IFLW &gt;&gt; ZIP</a:t>
+            </a:r>
+            <a:endParaRPr lang="en-US" dirty="0" smtClean="0"/>
+          </a:p>
+          <a:p>
+            <a:pPr lvl="1"/>
+            <a:r>
+              <a:rPr lang="ru-RU" dirty="0" smtClean="0"/>
+              <a:t>Можно написать свой транслятор, который будет делать </a:t>
+            </a:r>
+            <a:r>
+              <a:rPr lang="en-US" dirty="0" smtClean="0"/>
+              <a:t>JAR </a:t>
+            </a:r>
+            <a:r>
+              <a:rPr lang="ru-RU" dirty="0" smtClean="0"/>
+              <a:t>из </a:t>
+            </a:r>
+            <a:r>
+              <a:rPr lang="ru-RU" dirty="0" err="1" smtClean="0"/>
+              <a:t>кэмельного</a:t>
+            </a:r>
+            <a:r>
+              <a:rPr lang="ru-RU" dirty="0" smtClean="0"/>
+              <a:t> кода самостоятельно</a:t>
+            </a:r>
+          </a:p>
+          <a:p>
+            <a:r>
+              <a:rPr lang="ru-RU" dirty="0" smtClean="0"/>
+              <a:t>Сам по себе </a:t>
+            </a:r>
+            <a:r>
+              <a:rPr lang="en-US" dirty="0" smtClean="0"/>
+              <a:t>PO</a:t>
+            </a:r>
+            <a:r>
+              <a:rPr lang="ru-RU" dirty="0" smtClean="0"/>
+              <a:t> заканчивает свою историю, а </a:t>
+            </a:r>
+            <a:r>
+              <a:rPr lang="en-US" dirty="0" smtClean="0"/>
+              <a:t>CIC </a:t>
+            </a:r>
+            <a:r>
+              <a:rPr lang="ru-RU" dirty="0" smtClean="0"/>
+              <a:t>уже не будет развиваться. Покупайте новый </a:t>
+            </a:r>
+            <a:r>
+              <a:rPr lang="en-US" strike="sngStrike" dirty="0" smtClean="0"/>
+              <a:t>EIC</a:t>
+            </a:r>
+            <a:r>
+              <a:rPr lang="en-US" dirty="0" smtClean="0"/>
+              <a:t> </a:t>
+            </a:r>
+            <a:r>
+              <a:rPr lang="en-US" dirty="0" smtClean="0">
+                <a:solidFill>
+                  <a:srgbClr val="002060"/>
+                </a:solidFill>
+              </a:rPr>
+              <a:t>FAE</a:t>
+            </a:r>
+            <a:r>
+              <a:rPr lang="en-US" dirty="0" smtClean="0"/>
+              <a:t>!</a:t>
+            </a:r>
+            <a:endParaRPr lang="ru-RU" dirty="0" smtClean="0"/>
+          </a:p>
+        </p:txBody>
+      </p:sp>
+    </p:spTree>
+    <p:extLst>
+      <p:ext uri="{BB962C8B-B14F-4D97-AF65-F5344CB8AC3E}">
+        <p14:creationId xmlns:p14="http://schemas.microsoft.com/office/powerpoint/2010/main" val="3102424311"/>
+      </p:ext>
+    </p:extLst>
+  </p:cSld>
+  <p:clrMapOvr>
+    <a:masterClrMapping/>
+  </p:clrMapOvr>
+  <mc:AlternateContent xmlns:mc="http://schemas.openxmlformats.org/markup-compatibility/2006" xmlns:p14="http://schemas.microsoft.com/office/powerpoint/2010/main">
+    <mc:Choice Requires="p14">
+      <p:transition spd="slow" p14:dur="2000"/>
+    </mc:Choice>
+    <mc:Fallback xmlns="">
+      <p:transition spd="slow"/>
+    </mc:Fallback>
+  </mc:AlternateContent>
+</p:sld>
+</file>
+
+<file path=ppt/slides/slide19.xml><?xml version="1.0" encoding="utf-8"?>
+<p:sld xmlns:a="http://schemas.openxmlformats.org/drawingml/2006/main" xmlns:r="http://schemas.openxmlformats.org/officeDocument/2006/relationships" xmlns:p="http://schemas.openxmlformats.org/presentationml/2006/main">
+  <p:cSld>
+    <p:spTree>
+      <p:nvGrpSpPr>
+        <p:cNvPr id="1" name=""/>
+        <p:cNvGrpSpPr/>
+        <p:nvPr/>
+      </p:nvGrpSpPr>
+      <p:grpSpPr>
+        <a:xfrm>
+          <a:off x="0" y="0"/>
+          <a:ext cx="0" cy="0"/>
+          <a:chOff x="0" y="0"/>
+          <a:chExt cx="0" cy="0"/>
+        </a:xfrm>
+      </p:grpSpPr>
+      <p:sp>
+        <p:nvSpPr>
+          <p:cNvPr id="2" name="Заголовок 1"/>
+          <p:cNvSpPr>
+            <a:spLocks noGrp="1"/>
+          </p:cNvSpPr>
+          <p:nvPr>
+            <p:ph type="title"/>
+          </p:nvPr>
+        </p:nvSpPr>
+        <p:spPr/>
+        <p:txBody>
+          <a:bodyPr/>
+          <a:lstStyle/>
+          <a:p>
+            <a:r>
+              <a:rPr lang="ru-RU" dirty="0" smtClean="0"/>
+              <a:t>пока-пока</a:t>
+            </a:r>
+            <a:endParaRPr lang="ru-RU" dirty="0"/>
+          </a:p>
+        </p:txBody>
+      </p:sp>
+      <p:sp>
+        <p:nvSpPr>
+          <p:cNvPr id="3" name="Объект 2"/>
+          <p:cNvSpPr>
+            <a:spLocks noGrp="1"/>
+          </p:cNvSpPr>
+          <p:nvPr>
+            <p:ph idx="1"/>
+          </p:nvPr>
+        </p:nvSpPr>
+        <p:spPr/>
+        <p:txBody>
+          <a:bodyPr/>
+          <a:lstStyle/>
+          <a:p>
+            <a:pPr marL="0" indent="0">
+              <a:buNone/>
+            </a:pPr>
+            <a:endParaRPr lang="en-US" dirty="0"/>
+          </a:p>
+          <a:p>
+            <a:pPr marL="0" indent="0">
+              <a:buNone/>
+            </a:pPr>
+            <a:endParaRPr lang="en-US" dirty="0" smtClean="0"/>
+          </a:p>
+          <a:p>
+            <a:pPr marL="0" indent="0">
+              <a:buNone/>
+            </a:pPr>
+            <a:r>
+              <a:rPr lang="ru-RU" dirty="0" smtClean="0"/>
+              <a:t>Нужен </a:t>
+            </a:r>
+            <a:r>
+              <a:rPr lang="en-US" dirty="0" smtClean="0"/>
+              <a:t>CIC </a:t>
+            </a:r>
+            <a:r>
+              <a:rPr lang="ru-RU" dirty="0" smtClean="0"/>
+              <a:t>мониторинг? обращайтесь в нашу контору</a:t>
+            </a:r>
+            <a:r>
+              <a:rPr lang="en-US" dirty="0"/>
+              <a:t>.</a:t>
+            </a:r>
+          </a:p>
+          <a:p>
+            <a:pPr marL="0" indent="0">
+              <a:buNone/>
+            </a:pPr>
+            <a:endParaRPr lang="ru-RU" dirty="0" smtClean="0">
+              <a:hlinkClick r:id="rId2"/>
+            </a:endParaRPr>
+          </a:p>
+          <a:p>
+            <a:pPr marL="0" indent="0">
+              <a:buNone/>
+            </a:pPr>
+            <a:endParaRPr lang="ru-RU" dirty="0">
+              <a:hlinkClick r:id="rId2"/>
+            </a:endParaRPr>
+          </a:p>
+          <a:p>
+            <a:pPr marL="0" indent="0">
+              <a:buNone/>
+            </a:pPr>
+            <a:endParaRPr lang="ru-RU" dirty="0" smtClean="0">
+              <a:hlinkClick r:id="rId2"/>
+            </a:endParaRPr>
+          </a:p>
+          <a:p>
+            <a:pPr marL="0" indent="0">
+              <a:buNone/>
+            </a:pPr>
+            <a:endParaRPr lang="ru-RU" dirty="0">
+              <a:hlinkClick r:id="rId2"/>
+            </a:endParaRPr>
+          </a:p>
+          <a:p>
+            <a:pPr marL="0" indent="0">
+              <a:buNone/>
+            </a:pPr>
+            <a:endParaRPr lang="ru-RU" dirty="0" smtClean="0">
+              <a:hlinkClick r:id="rId2"/>
+            </a:endParaRPr>
+          </a:p>
+          <a:p>
+            <a:pPr marL="0" indent="0">
+              <a:buNone/>
+            </a:pPr>
+            <a:r>
+              <a:rPr lang="en-US" dirty="0" smtClean="0">
+                <a:hlinkClick r:id="rId2"/>
+              </a:rPr>
+              <a:t>iliya.kuznetsov@gmail.com</a:t>
+            </a:r>
+            <a:r>
+              <a:rPr lang="en-US" dirty="0" smtClean="0"/>
+              <a:t> </a:t>
+            </a:r>
+            <a:r>
+              <a:rPr lang="ru-RU" dirty="0"/>
+              <a:t>или в </a:t>
+            </a:r>
+            <a:r>
+              <a:rPr lang="ru-RU" dirty="0" smtClean="0"/>
+              <a:t>телеге</a:t>
+            </a:r>
+            <a:endParaRPr lang="en-US" dirty="0"/>
+          </a:p>
+        </p:txBody>
+      </p:sp>
+    </p:spTree>
+    <p:extLst>
+      <p:ext uri="{BB962C8B-B14F-4D97-AF65-F5344CB8AC3E}">
+        <p14:creationId xmlns:p14="http://schemas.microsoft.com/office/powerpoint/2010/main" val="1172783924"/>
+      </p:ext>
+    </p:extLst>
+  </p:cSld>
+  <p:clrMapOvr>
+    <a:masterClrMapping/>
+  </p:clrMapOvr>
+  <p:timing>
+    <p:tnLst>
+      <p:par>
+        <p:cTn id="1" dur="indefinite" restart="never" nodeType="tmRoot"/>
+      </p:par>
+    </p:tnLst>
+  </p:timing>
+</p:sld>
+</file>
+
 <file path=ppt/slides/slide2.xml><?xml version="1.0" encoding="utf-8"?>
 <p:sld xmlns:a="http://schemas.openxmlformats.org/drawingml/2006/main" xmlns:r="http://schemas.openxmlformats.org/officeDocument/2006/relationships" xmlns:p="http://schemas.openxmlformats.org/presentationml/2006/main">
   <p:cSld>
@@ -4005,8 +6414,12 @@
           <a:lstStyle/>
           <a:p>
             <a:r>
-              <a:rPr lang="ru-RU" dirty="0" smtClean="0"/>
-              <a:t>что было до</a:t>
+              <a:rPr lang="en-US" dirty="0" err="1" smtClean="0"/>
+              <a:t>ccbpm</a:t>
+            </a:r>
+            <a:r>
+              <a:rPr lang="ru-RU" dirty="0" smtClean="0"/>
+              <a:t>, ты помнишь как всё начиналось</a:t>
             </a:r>
             <a:endParaRPr lang="ru-RU" dirty="0"/>
           </a:p>
@@ -4027,14 +6440,152 @@
           <a:bodyPr/>
           <a:lstStyle/>
           <a:p>
-            <a:endParaRPr lang="ru-RU"/>
-          </a:p>
-        </p:txBody>
-      </p:sp>
+            <a:pPr marL="0" indent="0">
+              <a:buNone/>
+            </a:pPr>
+            <a:r>
+              <a:rPr lang="ru-RU" dirty="0"/>
+              <a:t>+ надёжно</a:t>
+            </a:r>
+            <a:br>
+              <a:rPr lang="ru-RU" dirty="0"/>
+            </a:br>
+            <a:r>
+              <a:rPr lang="ru-RU" dirty="0"/>
+              <a:t>+ достаточно удобно</a:t>
+            </a:r>
+            <a:br>
+              <a:rPr lang="ru-RU" dirty="0"/>
+            </a:br>
+            <a:r>
+              <a:rPr lang="ru-RU" dirty="0"/>
+              <a:t>+ один </a:t>
+            </a:r>
+            <a:r>
+              <a:rPr lang="en-US" dirty="0"/>
+              <a:t>ESR </a:t>
+            </a:r>
+            <a:r>
+              <a:rPr lang="en-US" dirty="0">
+                <a:sym typeface="Wingdings" panose="05000000000000000000" pitchFamily="2" charset="2"/>
+              </a:rPr>
+              <a:t> </a:t>
+            </a:r>
+            <a:r>
+              <a:rPr lang="ru-RU" dirty="0">
+                <a:sym typeface="Wingdings" panose="05000000000000000000" pitchFamily="2" charset="2"/>
+              </a:rPr>
+              <a:t>много </a:t>
+            </a:r>
+            <a:r>
+              <a:rPr lang="en-US" dirty="0">
+                <a:sym typeface="Wingdings" panose="05000000000000000000" pitchFamily="2" charset="2"/>
+              </a:rPr>
+              <a:t>IB</a:t>
+            </a:r>
+            <a:br>
+              <a:rPr lang="en-US" dirty="0">
+                <a:sym typeface="Wingdings" panose="05000000000000000000" pitchFamily="2" charset="2"/>
+              </a:rPr>
+            </a:br>
+            <a:r>
+              <a:rPr lang="ru-RU" dirty="0" smtClean="0">
+                <a:sym typeface="Wingdings" panose="05000000000000000000" pitchFamily="2" charset="2"/>
+              </a:rPr>
+              <a:t/>
+            </a:r>
+            <a:br>
+              <a:rPr lang="ru-RU" dirty="0" smtClean="0">
+                <a:sym typeface="Wingdings" panose="05000000000000000000" pitchFamily="2" charset="2"/>
+              </a:rPr>
+            </a:br>
+            <a:r>
+              <a:rPr lang="ru-RU" b="1" dirty="0" smtClean="0"/>
+              <a:t>Общая оценка</a:t>
+            </a:r>
+            <a:r>
+              <a:rPr lang="en-US" b="1" dirty="0" smtClean="0"/>
+              <a:t> </a:t>
+            </a:r>
+            <a:r>
+              <a:rPr lang="ru-RU" b="1" dirty="0" smtClean="0"/>
+              <a:t>4/5</a:t>
+            </a:r>
+            <a:r>
+              <a:rPr lang="ru-RU" dirty="0" smtClean="0"/>
+              <a:t/>
+            </a:r>
+            <a:br>
+              <a:rPr lang="ru-RU" dirty="0" smtClean="0"/>
+            </a:br>
+            <a:r>
+              <a:rPr lang="en-US" dirty="0" smtClean="0">
+                <a:sym typeface="Wingdings" panose="05000000000000000000" pitchFamily="2" charset="2"/>
+              </a:rPr>
+              <a:t/>
+            </a:r>
+            <a:br>
+              <a:rPr lang="en-US" dirty="0" smtClean="0">
+                <a:sym typeface="Wingdings" panose="05000000000000000000" pitchFamily="2" charset="2"/>
+              </a:rPr>
+            </a:br>
+            <a:r>
+              <a:rPr lang="en-US" dirty="0" smtClean="0">
+                <a:sym typeface="Wingdings" panose="05000000000000000000" pitchFamily="2" charset="2"/>
+              </a:rPr>
+              <a:t>- </a:t>
+            </a:r>
+            <a:r>
+              <a:rPr lang="ru-RU" dirty="0" smtClean="0">
+                <a:sym typeface="Wingdings" panose="05000000000000000000" pitchFamily="2" charset="2"/>
+              </a:rPr>
+              <a:t>завязано на </a:t>
+            </a:r>
+            <a:r>
+              <a:rPr lang="ru-RU" dirty="0" err="1" smtClean="0">
+                <a:sym typeface="Wingdings" panose="05000000000000000000" pitchFamily="2" charset="2"/>
+              </a:rPr>
+              <a:t>абап</a:t>
+            </a:r>
+            <a:r>
+              <a:rPr lang="en-US" dirty="0" smtClean="0"/>
+              <a:t/>
+            </a:r>
+            <a:br>
+              <a:rPr lang="en-US" dirty="0" smtClean="0"/>
+            </a:br>
+            <a:endParaRPr lang="en-US" dirty="0" smtClean="0"/>
+          </a:p>
+        </p:txBody>
+      </p:sp>
+      <p:pic>
+        <p:nvPicPr>
+          <p:cNvPr id="4" name="Рисунок 3"/>
+          <p:cNvPicPr>
+            <a:picLocks noChangeAspect="1"/>
+          </p:cNvPicPr>
+          <p:nvPr/>
+        </p:nvPicPr>
+        <p:blipFill>
+          <a:blip r:embed="rId2"/>
+          <a:stretch>
+            <a:fillRect/>
+          </a:stretch>
+        </p:blipFill>
+        <p:spPr>
+          <a:xfrm>
+            <a:off x="3953934" y="1838325"/>
+            <a:ext cx="7823728" cy="5019675"/>
+          </a:xfrm>
+          <a:prstGeom prst="rect">
+            <a:avLst/>
+          </a:prstGeom>
+        </p:spPr>
+      </p:pic>
     </p:spTree>
     <p:extLst>
       <p:ext uri="{BB962C8B-B14F-4D97-AF65-F5344CB8AC3E}">
-        <p14:creationId xmlns:p14="http://schemas.microsoft.com/office/powerpoint/2010/main" val="2945846045"/>
+        <p14:creationId xmlns:p14="http://schemas.microsoft.com/office/powerpoint/2010/main" val="132909910"/>
       </p:ext>
     </p:extLst>
   </p:cSld>
@@ -4077,8 +6628,12 @@
           <a:lstStyle/>
           <a:p>
             <a:r>
-              <a:rPr lang="ru-RU" dirty="0" smtClean="0"/>
-              <a:t>что БУДЕТ потом</a:t>
+              <a:rPr lang="en-US" dirty="0" err="1" smtClean="0"/>
+              <a:t>Netweaver</a:t>
+            </a:r>
+            <a:r>
+              <a:rPr lang="en-US" dirty="0" smtClean="0"/>
+              <a:t> visual composer</a:t>
             </a:r>
             <a:endParaRPr lang="ru-RU" dirty="0"/>
           </a:p>
@@ -4096,17 +6651,331 @@
         </p:nvSpPr>
         <p:spPr/>
         <p:txBody>
-          <a:bodyPr/>
+          <a:bodyPr>
+            <a:normAutofit fontScale="92500" lnSpcReduction="20000"/>
+          </a:bodyPr>
           <a:lstStyle/>
           <a:p>
-            <a:endParaRPr lang="ru-RU" dirty="0"/>
-          </a:p>
-        </p:txBody>
-      </p:sp>
+            <a:pPr marL="0" indent="0">
+              <a:buNone/>
+            </a:pPr>
+            <a:r>
+              <a:rPr lang="ru-RU" dirty="0" err="1" smtClean="0"/>
+              <a:t>Датасторы</a:t>
+            </a:r>
+            <a:r>
+              <a:rPr lang="ru-RU" dirty="0" smtClean="0"/>
+              <a:t> </a:t>
+            </a:r>
+            <a:r>
+              <a:rPr lang="ru-RU" dirty="0"/>
+              <a:t>4</a:t>
+            </a:r>
+            <a:r>
+              <a:rPr lang="ru-RU" dirty="0"/>
+              <a:t/>
+            </a:r>
+            <a:br>
+              <a:rPr lang="ru-RU" dirty="0"/>
+            </a:br>
+            <a:r>
+              <a:rPr lang="ru-RU" dirty="0" smtClean="0"/>
+              <a:t>Адаптеры </a:t>
+            </a:r>
+            <a:r>
+              <a:rPr lang="en-US" dirty="0" smtClean="0"/>
+              <a:t>3</a:t>
+            </a:r>
+            <a:r>
+              <a:rPr lang="ru-RU" dirty="0"/>
+              <a:t/>
+            </a:r>
+            <a:br>
+              <a:rPr lang="ru-RU" dirty="0"/>
+            </a:br>
+            <a:r>
+              <a:rPr lang="ru-RU" dirty="0"/>
+              <a:t>Отладка </a:t>
+            </a:r>
+            <a:r>
+              <a:rPr lang="en-US" dirty="0"/>
+              <a:t>1</a:t>
+            </a:r>
+            <a:r>
+              <a:rPr lang="ru-RU" dirty="0"/>
+              <a:t/>
+            </a:r>
+            <a:br>
+              <a:rPr lang="ru-RU" dirty="0"/>
+            </a:br>
+            <a:r>
+              <a:rPr lang="ru-RU" dirty="0"/>
+              <a:t>Удобство разработки </a:t>
+            </a:r>
+            <a:r>
+              <a:rPr lang="en-US" dirty="0"/>
+              <a:t>4</a:t>
+            </a:r>
+            <a:r>
+              <a:rPr lang="ru-RU" dirty="0"/>
+              <a:t/>
+            </a:r>
+            <a:br>
+              <a:rPr lang="ru-RU" dirty="0"/>
+            </a:br>
+            <a:r>
+              <a:rPr lang="ru-RU" dirty="0"/>
+              <a:t>Надёжность </a:t>
+            </a:r>
+            <a:r>
+              <a:rPr lang="en-US" dirty="0"/>
+              <a:t>5</a:t>
+            </a:r>
+            <a:r>
+              <a:rPr lang="en-US" dirty="0" smtClean="0"/>
+              <a:t/>
+            </a:r>
+            <a:br>
+              <a:rPr lang="en-US" dirty="0" smtClean="0"/>
+            </a:br>
+            <a:r>
+              <a:rPr lang="en-US" dirty="0" smtClean="0"/>
+              <a:t/>
+            </a:r>
+            <a:br>
+              <a:rPr lang="en-US" dirty="0" smtClean="0"/>
+            </a:br>
+            <a:r>
+              <a:rPr lang="ru-RU" dirty="0"/>
+              <a:t>Общая оценка</a:t>
+            </a:r>
+            <a:r>
+              <a:rPr lang="en-US" dirty="0"/>
+              <a:t> </a:t>
+            </a:r>
+            <a:r>
+              <a:rPr lang="ru-RU" dirty="0"/>
+              <a:t>4/5</a:t>
+            </a:r>
+            <a:r>
+              <a:rPr lang="en-US" dirty="0"/>
+              <a:t/>
+            </a:r>
+            <a:br>
+              <a:rPr lang="en-US" dirty="0"/>
+            </a:br>
+            <a:r>
+              <a:rPr lang="en-US" dirty="0" smtClean="0"/>
+              <a:t/>
+            </a:r>
+            <a:br>
+              <a:rPr lang="en-US" dirty="0" smtClean="0"/>
+            </a:br>
+            <a:r>
+              <a:rPr lang="ru-RU" dirty="0" smtClean="0"/>
+              <a:t>+ Набираем </a:t>
+            </a:r>
+            <a:r>
+              <a:rPr lang="en-US" dirty="0" smtClean="0"/>
+              <a:t>/</a:t>
+            </a:r>
+            <a:r>
+              <a:rPr lang="en-US" dirty="0" err="1" smtClean="0"/>
+              <a:t>irj</a:t>
+            </a:r>
+            <a:r>
+              <a:rPr lang="en-US" dirty="0" smtClean="0"/>
+              <a:t> </a:t>
+            </a:r>
+            <a:r>
+              <a:rPr lang="ru-RU" dirty="0" smtClean="0"/>
+              <a:t>и на любом портале</a:t>
+            </a:r>
+            <a:br>
+              <a:rPr lang="ru-RU" dirty="0" smtClean="0"/>
+            </a:br>
+            <a:r>
+              <a:rPr lang="ru-RU" dirty="0" smtClean="0"/>
+              <a:t>+ </a:t>
+            </a:r>
+            <a:r>
+              <a:rPr lang="en-US" dirty="0" smtClean="0"/>
+              <a:t>MVC-</a:t>
+            </a:r>
+            <a:r>
+              <a:rPr lang="ru-RU" dirty="0" smtClean="0"/>
+              <a:t>среда с </a:t>
+            </a:r>
+            <a:r>
+              <a:rPr lang="ru-RU" dirty="0" err="1" smtClean="0"/>
+              <a:t>бэкендами</a:t>
+            </a:r>
+            <a:r>
+              <a:rPr lang="ru-RU" dirty="0" smtClean="0"/>
+              <a:t> в целом </a:t>
+            </a:r>
+            <a:br>
+              <a:rPr lang="ru-RU" dirty="0" smtClean="0"/>
+            </a:br>
+            <a:r>
+              <a:rPr lang="ru-RU" dirty="0" smtClean="0"/>
+              <a:t>на </a:t>
+            </a:r>
+            <a:r>
+              <a:rPr lang="en-US" dirty="0" smtClean="0"/>
+              <a:t>RFC-</a:t>
+            </a:r>
+            <a:r>
+              <a:rPr lang="ru-RU" dirty="0" err="1" smtClean="0"/>
+              <a:t>абапе</a:t>
+            </a:r>
+            <a:r>
+              <a:rPr lang="ru-RU" dirty="0" smtClean="0"/>
+              <a:t/>
+            </a:r>
+            <a:br>
+              <a:rPr lang="ru-RU" dirty="0" smtClean="0"/>
+            </a:br>
+            <a:r>
+              <a:rPr lang="ru-RU" dirty="0" smtClean="0"/>
+              <a:t>+ приятный </a:t>
+            </a:r>
+            <a:r>
+              <a:rPr lang="en-US" dirty="0" smtClean="0"/>
+              <a:t>UI </a:t>
+            </a:r>
+            <a:r>
+              <a:rPr lang="ru-RU" dirty="0" smtClean="0"/>
+              <a:t>с элементами</a:t>
+            </a:r>
+            <a:br>
+              <a:rPr lang="ru-RU" dirty="0" smtClean="0"/>
+            </a:br>
+            <a:r>
+              <a:rPr lang="ru-RU" dirty="0" smtClean="0"/>
+              <a:t/>
+            </a:r>
+            <a:br>
+              <a:rPr lang="ru-RU" dirty="0" smtClean="0"/>
+            </a:br>
+            <a:r>
+              <a:rPr lang="en-US" dirty="0" smtClean="0"/>
+              <a:t>Use case: </a:t>
+            </a:r>
+            <a:r>
+              <a:rPr lang="ru-RU" dirty="0" smtClean="0"/>
+              <a:t>справочник грузополучателей,</a:t>
+            </a:r>
+            <a:br>
+              <a:rPr lang="ru-RU" dirty="0" smtClean="0"/>
+            </a:br>
+            <a:r>
+              <a:rPr lang="ru-RU" dirty="0" smtClean="0"/>
+              <a:t>создание пользователей и присвоение </a:t>
+            </a:r>
+            <a:br>
+              <a:rPr lang="ru-RU" dirty="0" smtClean="0"/>
+            </a:br>
+            <a:r>
+              <a:rPr lang="ru-RU" dirty="0" smtClean="0"/>
+              <a:t>ролей</a:t>
+            </a:r>
+            <a:endParaRPr lang="en-US" dirty="0"/>
+          </a:p>
+          <a:p>
+            <a:pPr marL="0" indent="0">
+              <a:buNone/>
+            </a:pPr>
+            <a:endParaRPr lang="en-US" dirty="0" smtClean="0"/>
+          </a:p>
+        </p:txBody>
+      </p:sp>
+      <p:pic>
+        <p:nvPicPr>
+          <p:cNvPr id="1026" name="Picture 2" descr="This graphic is explained in the accompanying text"/>
+          <p:cNvPicPr>
+            <a:picLocks noChangeAspect="1" noChangeArrowheads="1"/>
+          </p:cNvPicPr>
+          <p:nvPr/>
+        </p:nvPicPr>
+        <p:blipFill>
+          <a:blip r:embed="rId2">
+            <a:extLst>
+              <a:ext uri="{28A0092B-C50C-407E-A947-70E740481C1C}">
+                <a14:useLocalDpi xmlns:a14="http://schemas.microsoft.com/office/drawing/2010/main" val="0"/>
+              </a:ext>
+            </a:extLst>
+          </a:blip>
+          <a:srcRect/>
+          <a:stretch>
+            <a:fillRect/>
+          </a:stretch>
+        </p:blipFill>
+        <p:spPr bwMode="auto">
+          <a:xfrm>
+            <a:off x="4537075" y="2180496"/>
+            <a:ext cx="6572250" cy="3371851"/>
+          </a:xfrm>
+          <a:prstGeom prst="rect">
+            <a:avLst/>
+          </a:prstGeom>
+          <a:noFill/>
+          <a:extLst>
+            <a:ext uri="{909E8E84-426E-40DD-AFC4-6F175D3DCCD1}">
+              <a14:hiddenFill xmlns:a14="http://schemas.microsoft.com/office/drawing/2010/main">
+                <a:solidFill>
+                  <a:srgbClr val="FFFFFF"/>
+                </a:solidFill>
+              </a14:hiddenFill>
+            </a:ext>
+          </a:extLst>
+        </p:spPr>
+      </p:pic>
+      <p:pic>
+        <p:nvPicPr>
+          <p:cNvPr id="1028" name="Picture 4" descr="Amazon.com: SAP NetWeaver Visual Composer: 9781592290994: Carsten Býýnnen,  Mario Herger: Books"/>
+          <p:cNvPicPr>
+            <a:picLocks noChangeAspect="1" noChangeArrowheads="1"/>
+          </p:cNvPicPr>
+          <p:nvPr/>
+        </p:nvPicPr>
+        <p:blipFill>
+          <a:blip r:embed="rId3">
+            <a:extLst>
+              <a:ext uri="{28A0092B-C50C-407E-A947-70E740481C1C}">
+                <a14:useLocalDpi xmlns:a14="http://schemas.microsoft.com/office/drawing/2010/main" val="0"/>
+              </a:ext>
+            </a:extLst>
+          </a:blip>
+          <a:srcRect/>
+          <a:stretch>
+            <a:fillRect/>
+          </a:stretch>
+        </p:blipFill>
+        <p:spPr bwMode="auto">
+          <a:xfrm>
+            <a:off x="10258425" y="4797687"/>
+            <a:ext cx="1270000" cy="1219200"/>
+          </a:xfrm>
+          <a:prstGeom prst="rect">
+            <a:avLst/>
+          </a:prstGeom>
+          <a:noFill/>
+          <a:extLst>
+            <a:ext uri="{909E8E84-426E-40DD-AFC4-6F175D3DCCD1}">
+              <a14:hiddenFill xmlns:a14="http://schemas.microsoft.com/office/drawing/2010/main">
+                <a:solidFill>
+                  <a:srgbClr val="FFFFFF"/>
+                </a:solidFill>
+              </a14:hiddenFill>
+            </a:ext>
+          </a:extLst>
+        </p:spPr>
+      </p:pic>
     </p:spTree>
     <p:extLst>
       <p:ext uri="{BB962C8B-B14F-4D97-AF65-F5344CB8AC3E}">
-        <p14:creationId xmlns:p14="http://schemas.microsoft.com/office/powerpoint/2010/main" val="3102424311"/>
+        <p14:creationId xmlns:p14="http://schemas.microsoft.com/office/powerpoint/2010/main" val="333335510"/>
       </p:ext>
     </p:extLst>
   </p:cSld>
@@ -4149,8 +7018,28 @@
           <a:lstStyle/>
           <a:p>
             <a:r>
-              <a:rPr lang="ru-RU" dirty="0" smtClean="0"/>
-              <a:t>пока-пока</a:t>
+              <a:rPr lang="en-US" dirty="0" err="1" smtClean="0"/>
+              <a:t>NetWEAVER</a:t>
+            </a:r>
+            <a:r>
+              <a:rPr lang="en-US" dirty="0" smtClean="0"/>
+              <a:t> BPM</a:t>
+            </a:r>
+            <a:r>
+              <a:rPr lang="en-US" dirty="0"/>
+              <a:t>	</a:t>
+            </a:r>
+            <a:r>
+              <a:rPr lang="en-US" dirty="0" smtClean="0"/>
+              <a:t>									“I </a:t>
+            </a:r>
+            <a:r>
+              <a:rPr lang="en-US" dirty="0"/>
+              <a:t>did it my </a:t>
+            </a:r>
+            <a:r>
+              <a:rPr lang="en-US" dirty="0" smtClean="0"/>
+              <a:t>way” (C)</a:t>
             </a:r>
             <a:endParaRPr lang="ru-RU" dirty="0"/>
           </a:p>
@@ -4166,111 +7055,812 @@
             <p:ph idx="1"/>
           </p:nvPr>
         </p:nvSpPr>
-        <p:spPr/>
-        <p:txBody>
-          <a:bodyPr/>
+        <p:spPr>
+          <a:xfrm>
+            <a:off x="581192" y="2180496"/>
+            <a:ext cx="6400053" cy="4061278"/>
+          </a:xfrm>
+        </p:spPr>
+        <p:txBody>
+          <a:bodyPr>
+            <a:normAutofit lnSpcReduction="10000"/>
+          </a:bodyPr>
           <a:lstStyle/>
           <a:p>
             <a:pPr marL="0" indent="0">
               <a:buNone/>
             </a:pPr>
-            <a:endParaRPr lang="en-US" dirty="0"/>
-          </a:p>
-          <a:p>
-            <a:pPr marL="0" indent="0">
-              <a:buNone/>
-            </a:pPr>
+            <a:r>
+              <a:rPr lang="ru-RU" dirty="0"/>
+              <a:t>+ во-первых это красиво</a:t>
+            </a:r>
+            <a:br>
+              <a:rPr lang="ru-RU" dirty="0"/>
+            </a:br>
+            <a:r>
+              <a:rPr lang="ru-RU" dirty="0"/>
+              <a:t>+ достаточно </a:t>
+            </a:r>
+            <a:r>
+              <a:rPr lang="ru-RU" dirty="0" err="1"/>
+              <a:t>явы</a:t>
+            </a:r>
+            <a:r>
+              <a:rPr lang="ru-RU" dirty="0"/>
+              <a:t/>
+            </a:r>
+            <a:br>
+              <a:rPr lang="ru-RU" dirty="0"/>
+            </a:br>
+            <a:r>
+              <a:rPr lang="ru-RU" dirty="0" smtClean="0"/>
+              <a:t/>
+            </a:r>
+            <a:br>
+              <a:rPr lang="ru-RU" dirty="0" smtClean="0"/>
+            </a:br>
+            <a:r>
+              <a:rPr lang="ru-RU" b="1" dirty="0" smtClean="0"/>
+              <a:t>Общая </a:t>
+            </a:r>
+            <a:r>
+              <a:rPr lang="ru-RU" b="1" dirty="0"/>
+              <a:t>оценка</a:t>
+            </a:r>
+            <a:r>
+              <a:rPr lang="en-US" b="1" dirty="0"/>
+              <a:t> </a:t>
+            </a:r>
+            <a:r>
+              <a:rPr lang="ru-RU" b="1" dirty="0" smtClean="0"/>
+              <a:t>3/5 «не взлетел»</a:t>
+            </a:r>
+            <a:r>
+              <a:rPr lang="ru-RU" b="1" dirty="0"/>
+              <a:t/>
+            </a:r>
+            <a:br>
+              <a:rPr lang="ru-RU" b="1" dirty="0"/>
+            </a:br>
+            <a:r>
+              <a:rPr lang="en-US" dirty="0">
+                <a:sym typeface="Wingdings" panose="05000000000000000000" pitchFamily="2" charset="2"/>
+              </a:rPr>
+              <a:t/>
+            </a:r>
+            <a:br>
+              <a:rPr lang="en-US" dirty="0">
+                <a:sym typeface="Wingdings" panose="05000000000000000000" pitchFamily="2" charset="2"/>
+              </a:rPr>
+            </a:br>
+            <a:r>
+              <a:rPr lang="en-US" dirty="0">
+                <a:sym typeface="Wingdings" panose="05000000000000000000" pitchFamily="2" charset="2"/>
+              </a:rPr>
+              <a:t>- </a:t>
+            </a:r>
+            <a:r>
+              <a:rPr lang="ru-RU" dirty="0" smtClean="0">
+                <a:sym typeface="Wingdings" panose="05000000000000000000" pitchFamily="2" charset="2"/>
+              </a:rPr>
+              <a:t>сложная модель </a:t>
+            </a:r>
+            <a:r>
+              <a:rPr lang="ru-RU" dirty="0" smtClean="0">
+                <a:sym typeface="Wingdings" panose="05000000000000000000" pitchFamily="2" charset="2"/>
+              </a:rPr>
+              <a:t>разработки</a:t>
+            </a:r>
+            <a:r>
+              <a:rPr lang="en-US" dirty="0">
+                <a:sym typeface="Wingdings" panose="05000000000000000000" pitchFamily="2" charset="2"/>
+              </a:rPr>
+              <a:t/>
+            </a:r>
+            <a:br>
+              <a:rPr lang="en-US" dirty="0">
+                <a:sym typeface="Wingdings" panose="05000000000000000000" pitchFamily="2" charset="2"/>
+              </a:rPr>
+            </a:br>
+            <a:r>
+              <a:rPr lang="en-US" dirty="0" smtClean="0">
+                <a:sym typeface="Wingdings" panose="05000000000000000000" pitchFamily="2" charset="2"/>
+              </a:rPr>
+              <a:t>- </a:t>
+            </a:r>
+            <a:r>
+              <a:rPr lang="ru-RU" dirty="0" err="1" smtClean="0">
+                <a:sym typeface="Wingdings" panose="05000000000000000000" pitchFamily="2" charset="2"/>
+              </a:rPr>
+              <a:t>продуктив</a:t>
+            </a:r>
+            <a:r>
+              <a:rPr lang="ru-RU" dirty="0" smtClean="0">
+                <a:sym typeface="Wingdings" panose="05000000000000000000" pitchFamily="2" charset="2"/>
+              </a:rPr>
+              <a:t>??</a:t>
+            </a:r>
+            <a:r>
+              <a:rPr lang="ru-RU" dirty="0" smtClean="0">
+                <a:sym typeface="Wingdings" panose="05000000000000000000" pitchFamily="2" charset="2"/>
+              </a:rPr>
+              <a:t/>
+            </a:r>
+            <a:br>
+              <a:rPr lang="ru-RU" dirty="0" smtClean="0">
+                <a:sym typeface="Wingdings" panose="05000000000000000000" pitchFamily="2" charset="2"/>
+              </a:rPr>
+            </a:br>
+            <a:r>
+              <a:rPr lang="ru-RU" dirty="0" smtClean="0">
+                <a:sym typeface="Wingdings" panose="05000000000000000000" pitchFamily="2" charset="2"/>
+              </a:rPr>
+              <a:t>- дайте </a:t>
+            </a:r>
+            <a:r>
+              <a:rPr lang="ru-RU" dirty="0" err="1" smtClean="0">
+                <a:sym typeface="Wingdings" panose="05000000000000000000" pitchFamily="2" charset="2"/>
+              </a:rPr>
+              <a:t>деняк</a:t>
+            </a:r>
+            <a:r>
+              <a:rPr lang="ru-RU" dirty="0" smtClean="0">
+                <a:sym typeface="Wingdings" panose="05000000000000000000" pitchFamily="2" charset="2"/>
+              </a:rPr>
+              <a:t/>
+            </a:r>
+            <a:br>
+              <a:rPr lang="ru-RU" dirty="0" smtClean="0">
+                <a:sym typeface="Wingdings" panose="05000000000000000000" pitchFamily="2" charset="2"/>
+              </a:rPr>
+            </a:br>
+            <a:r>
+              <a:rPr lang="ru-RU" dirty="0" smtClean="0">
+                <a:sym typeface="Wingdings" panose="05000000000000000000" pitchFamily="2" charset="2"/>
+              </a:rPr>
+              <a:t/>
+            </a:r>
+            <a:br>
+              <a:rPr lang="ru-RU" dirty="0" smtClean="0">
+                <a:sym typeface="Wingdings" panose="05000000000000000000" pitchFamily="2" charset="2"/>
+              </a:rPr>
+            </a:br>
+            <a:r>
+              <a:rPr lang="ru-RU" dirty="0" smtClean="0">
+                <a:sym typeface="Wingdings" panose="05000000000000000000" pitchFamily="2" charset="2"/>
+              </a:rPr>
+              <a:t>Мнения: на балл выше </a:t>
+            </a:r>
+            <a:r>
+              <a:rPr lang="en-US" dirty="0" err="1" smtClean="0">
+                <a:sym typeface="Wingdings" panose="05000000000000000000" pitchFamily="2" charset="2"/>
+              </a:rPr>
+              <a:t>ccBPM</a:t>
+            </a:r>
+            <a:r>
+              <a:rPr lang="en-US" dirty="0" smtClean="0">
+                <a:sym typeface="Wingdings" panose="05000000000000000000" pitchFamily="2" charset="2"/>
+              </a:rPr>
+              <a:t/>
+            </a:r>
+            <a:br>
+              <a:rPr lang="en-US" dirty="0" smtClean="0">
+                <a:sym typeface="Wingdings" panose="05000000000000000000" pitchFamily="2" charset="2"/>
+              </a:rPr>
+            </a:br>
+            <a:r>
+              <a:rPr lang="ru-RU" dirty="0" smtClean="0">
+                <a:sym typeface="Wingdings" panose="05000000000000000000" pitchFamily="2" charset="2"/>
+              </a:rPr>
+              <a:t>Не всегда хорошо с производительностью (надо прикидывать </a:t>
+            </a:r>
+            <a:r>
+              <a:rPr lang="ru-RU" dirty="0" err="1" smtClean="0">
+                <a:sym typeface="Wingdings" panose="05000000000000000000" pitchFamily="2" charset="2"/>
+              </a:rPr>
+              <a:t>сайзинг</a:t>
+            </a:r>
+            <a:r>
+              <a:rPr lang="ru-RU" dirty="0" smtClean="0">
+                <a:sym typeface="Wingdings" panose="05000000000000000000" pitchFamily="2" charset="2"/>
+              </a:rPr>
+              <a:t> при разработке)</a:t>
+            </a:r>
+            <a:br>
+              <a:rPr lang="ru-RU" dirty="0" smtClean="0">
+                <a:sym typeface="Wingdings" panose="05000000000000000000" pitchFamily="2" charset="2"/>
+              </a:rPr>
+            </a:br>
+            <a:r>
+              <a:rPr lang="ru-RU" dirty="0" smtClean="0">
+                <a:sym typeface="Wingdings" panose="05000000000000000000" pitchFamily="2" charset="2"/>
+              </a:rPr>
+              <a:t>Неочевидная обработка ошибок</a:t>
+            </a:r>
+            <a:br>
+              <a:rPr lang="ru-RU" dirty="0" smtClean="0">
+                <a:sym typeface="Wingdings" panose="05000000000000000000" pitchFamily="2" charset="2"/>
+              </a:rPr>
+            </a:br>
+            <a:r>
+              <a:rPr lang="en-US" dirty="0" smtClean="0">
+                <a:sym typeface="Wingdings" panose="05000000000000000000" pitchFamily="2" charset="2"/>
+              </a:rPr>
+              <a:t>UDF </a:t>
+            </a:r>
+            <a:r>
+              <a:rPr lang="ru-RU" dirty="0" smtClean="0">
+                <a:sym typeface="Wingdings" panose="05000000000000000000" pitchFamily="2" charset="2"/>
+              </a:rPr>
+              <a:t>непрозрачны</a:t>
+            </a:r>
+            <a:br>
+              <a:rPr lang="ru-RU" dirty="0" smtClean="0">
+                <a:sym typeface="Wingdings" panose="05000000000000000000" pitchFamily="2" charset="2"/>
+              </a:rPr>
+            </a:br>
+            <a:r>
+              <a:rPr lang="ru-RU" dirty="0" smtClean="0">
+                <a:sym typeface="Wingdings" panose="05000000000000000000" pitchFamily="2" charset="2"/>
+              </a:rPr>
+              <a:t>Много сложностей при совместной разработке</a:t>
+            </a:r>
             <a:endParaRPr lang="en-US" dirty="0" smtClean="0"/>
           </a:p>
-          <a:p>
-            <a:pPr marL="0" indent="0">
-              <a:buNone/>
-            </a:pPr>
-            <a:endParaRPr lang="en-US" dirty="0"/>
-          </a:p>
-          <a:p>
-            <a:pPr marL="0" indent="0">
-              <a:buNone/>
-            </a:pPr>
-            <a:endParaRPr lang="ru-RU" dirty="0" smtClean="0">
-              <a:hlinkClick r:id="rId2"/>
-            </a:endParaRPr>
-          </a:p>
-          <a:p>
-            <a:pPr marL="0" indent="0">
-              <a:buNone/>
-            </a:pPr>
-            <a:endParaRPr lang="ru-RU" dirty="0">
-              <a:hlinkClick r:id="rId2"/>
-            </a:endParaRPr>
-          </a:p>
-          <a:p>
-            <a:pPr marL="0" indent="0">
-              <a:buNone/>
-            </a:pPr>
-            <a:endParaRPr lang="ru-RU" dirty="0" smtClean="0">
-              <a:hlinkClick r:id="rId2"/>
-            </a:endParaRPr>
-          </a:p>
-          <a:p>
-            <a:pPr marL="0" indent="0">
-              <a:buNone/>
-            </a:pPr>
-            <a:endParaRPr lang="ru-RU" dirty="0">
-              <a:hlinkClick r:id="rId2"/>
-            </a:endParaRPr>
-          </a:p>
-          <a:p>
-            <a:pPr marL="0" indent="0">
-              <a:buNone/>
-            </a:pPr>
-            <a:endParaRPr lang="ru-RU" dirty="0" smtClean="0">
-              <a:hlinkClick r:id="rId2"/>
-            </a:endParaRPr>
-          </a:p>
-          <a:p>
-            <a:pPr marL="0" indent="0">
-              <a:buNone/>
-            </a:pPr>
-            <a:r>
-              <a:rPr lang="en-US" dirty="0" smtClean="0">
-                <a:hlinkClick r:id="rId2"/>
-              </a:rPr>
-              <a:t>iliya.kuznetsov@gmail.com</a:t>
-            </a:r>
-            <a:r>
-              <a:rPr lang="en-US" dirty="0" smtClean="0"/>
-              <a:t> </a:t>
-            </a:r>
-            <a:r>
-              <a:rPr lang="ru-RU" dirty="0"/>
-              <a:t>или в </a:t>
-            </a:r>
-            <a:r>
-              <a:rPr lang="ru-RU" dirty="0" smtClean="0"/>
-              <a:t>телеге</a:t>
-            </a:r>
-            <a:endParaRPr lang="en-US" dirty="0"/>
-          </a:p>
-        </p:txBody>
-      </p:sp>
+        </p:txBody>
+      </p:sp>
+      <p:pic>
+        <p:nvPicPr>
+          <p:cNvPr id="2050" name="Picture 2" descr="SAP NWBPM Made Easy. | SAP Blogs"/>
+          <p:cNvPicPr>
+            <a:picLocks noChangeAspect="1" noChangeArrowheads="1"/>
+          </p:cNvPicPr>
+          <p:nvPr/>
+        </p:nvPicPr>
+        <p:blipFill>
+          <a:blip r:embed="rId2">
+            <a:extLst>
+              <a:ext uri="{28A0092B-C50C-407E-A947-70E740481C1C}">
+                <a14:useLocalDpi xmlns:a14="http://schemas.microsoft.com/office/drawing/2010/main" val="0"/>
+              </a:ext>
+            </a:extLst>
+          </a:blip>
+          <a:srcRect/>
+          <a:stretch>
+            <a:fillRect/>
+          </a:stretch>
+        </p:blipFill>
+        <p:spPr bwMode="auto">
+          <a:xfrm>
+            <a:off x="6358022" y="2305974"/>
+            <a:ext cx="5341853" cy="2456857"/>
+          </a:xfrm>
+          <a:prstGeom prst="rect">
+            <a:avLst/>
+          </a:prstGeom>
+          <a:noFill/>
+          <a:extLst>
+            <a:ext uri="{909E8E84-426E-40DD-AFC4-6F175D3DCCD1}">
+              <a14:hiddenFill xmlns:a14="http://schemas.microsoft.com/office/drawing/2010/main">
+                <a:solidFill>
+                  <a:srgbClr val="FFFFFF"/>
+                </a:solidFill>
+              </a14:hiddenFill>
+            </a:ext>
+          </a:extLst>
+        </p:spPr>
+      </p:pic>
     </p:spTree>
     <p:extLst>
       <p:ext uri="{BB962C8B-B14F-4D97-AF65-F5344CB8AC3E}">
-        <p14:creationId xmlns:p14="http://schemas.microsoft.com/office/powerpoint/2010/main" val="1172783924"/>
+        <p14:creationId xmlns:p14="http://schemas.microsoft.com/office/powerpoint/2010/main" val="3799678379"/>
       </p:ext>
     </p:extLst>
   </p:cSld>
   <p:clrMapOvr>
     <a:masterClrMapping/>
   </p:clrMapOvr>
-  <p:timing>
-    <p:tnLst>
-      <p:par>
-        <p:cTn id="1" dur="indefinite" restart="never" nodeType="tmRoot"/>
-      </p:par>
-    </p:tnLst>
-  </p:timing>
+</p:sld>
+</file>
+
+<file path=ppt/slides/slide5.xml><?xml version="1.0" encoding="utf-8"?>
+<p:sld xmlns:a="http://schemas.openxmlformats.org/drawingml/2006/main" xmlns:r="http://schemas.openxmlformats.org/officeDocument/2006/relationships" xmlns:p="http://schemas.openxmlformats.org/presentationml/2006/main">
+  <p:cSld>
+    <p:spTree>
+      <p:nvGrpSpPr>
+        <p:cNvPr id="1" name=""/>
+        <p:cNvGrpSpPr/>
+        <p:nvPr/>
+      </p:nvGrpSpPr>
+      <p:grpSpPr>
+        <a:xfrm>
+          <a:off x="0" y="0"/>
+          <a:ext cx="0" cy="0"/>
+          <a:chOff x="0" y="0"/>
+          <a:chExt cx="0" cy="0"/>
+        </a:xfrm>
+      </p:grpSpPr>
+      <p:sp>
+        <p:nvSpPr>
+          <p:cNvPr id="2" name="Заголовок 1"/>
+          <p:cNvSpPr>
+            <a:spLocks noGrp="1"/>
+          </p:cNvSpPr>
+          <p:nvPr>
+            <p:ph type="title"/>
+          </p:nvPr>
+        </p:nvSpPr>
+        <p:spPr/>
+        <p:txBody>
+          <a:bodyPr/>
+          <a:lstStyle/>
+          <a:p>
+            <a:r>
+              <a:rPr lang="en-US" dirty="0" smtClean="0"/>
+              <a:t>Cloud integration content</a:t>
+            </a:r>
+            <a:br>
+              <a:rPr lang="en-US" dirty="0" smtClean="0"/>
+            </a:br>
+            <a:r>
+              <a:rPr lang="en-US" dirty="0" smtClean="0"/>
+              <a:t>			“</a:t>
+            </a:r>
+            <a:r>
+              <a:rPr lang="ru-RU" dirty="0" smtClean="0"/>
+              <a:t>после сборки изделие доработать напильником</a:t>
+            </a:r>
+            <a:r>
+              <a:rPr lang="en-US" dirty="0" smtClean="0"/>
+              <a:t>”</a:t>
+            </a:r>
+            <a:endParaRPr lang="ru-RU" dirty="0"/>
+          </a:p>
+        </p:txBody>
+      </p:sp>
+      <p:sp>
+        <p:nvSpPr>
+          <p:cNvPr id="3" name="Объект 2"/>
+          <p:cNvSpPr>
+            <a:spLocks noGrp="1"/>
+          </p:cNvSpPr>
+          <p:nvPr>
+            <p:ph idx="1"/>
+          </p:nvPr>
+        </p:nvSpPr>
+        <p:spPr/>
+        <p:txBody>
+          <a:bodyPr/>
+          <a:lstStyle/>
+          <a:p>
+            <a:pPr marL="0" indent="0">
+              <a:buNone/>
+            </a:pPr>
+            <a:r>
+              <a:rPr lang="ru-RU" dirty="0" smtClean="0"/>
+              <a:t>+ индустриальный стандарт</a:t>
+            </a:r>
+            <a:r>
+              <a:rPr lang="ru-RU" dirty="0"/>
+              <a:t/>
+            </a:r>
+            <a:br>
+              <a:rPr lang="ru-RU" dirty="0"/>
+            </a:br>
+            <a:r>
+              <a:rPr lang="ru-RU" dirty="0"/>
+              <a:t>+ достаточно </a:t>
+            </a:r>
+            <a:r>
+              <a:rPr lang="ru-RU" dirty="0" err="1" smtClean="0"/>
+              <a:t>явы</a:t>
+            </a:r>
+            <a:r>
+              <a:rPr lang="ru-RU" dirty="0" smtClean="0"/>
+              <a:t/>
+            </a:r>
+            <a:br>
+              <a:rPr lang="ru-RU" dirty="0" smtClean="0"/>
+            </a:br>
+            <a:r>
+              <a:rPr lang="ru-RU" dirty="0" smtClean="0"/>
+              <a:t>+ прозрачная архитектура</a:t>
+            </a:r>
+            <a:r>
+              <a:rPr lang="ru-RU" dirty="0"/>
+              <a:t/>
+            </a:r>
+            <a:br>
+              <a:rPr lang="ru-RU" dirty="0"/>
+            </a:br>
+            <a:r>
+              <a:rPr lang="ru-RU" dirty="0" smtClean="0"/>
+              <a:t/>
+            </a:r>
+            <a:br>
+              <a:rPr lang="ru-RU" dirty="0" smtClean="0"/>
+            </a:br>
+            <a:r>
+              <a:rPr lang="ru-RU" b="1" dirty="0"/>
+              <a:t>Общая оценка</a:t>
+            </a:r>
+            <a:r>
+              <a:rPr lang="en-US" b="1" dirty="0"/>
+              <a:t> </a:t>
+            </a:r>
+            <a:r>
+              <a:rPr lang="ru-RU" b="1" dirty="0"/>
+              <a:t>5/5</a:t>
+            </a:r>
+            <a:br>
+              <a:rPr lang="ru-RU" b="1" dirty="0"/>
+            </a:br>
+            <a:r>
+              <a:rPr lang="ru-RU" dirty="0"/>
+              <a:t/>
+            </a:r>
+            <a:br>
+              <a:rPr lang="ru-RU" dirty="0"/>
+            </a:br>
+            <a:r>
+              <a:rPr lang="ru-RU" i="1" dirty="0" smtClean="0"/>
+              <a:t>несмотря на</a:t>
+            </a:r>
+            <a:r>
+              <a:rPr lang="en-US" dirty="0">
+                <a:sym typeface="Wingdings" panose="05000000000000000000" pitchFamily="2" charset="2"/>
+              </a:rPr>
+              <a:t/>
+            </a:r>
+            <a:br>
+              <a:rPr lang="en-US" dirty="0">
+                <a:sym typeface="Wingdings" panose="05000000000000000000" pitchFamily="2" charset="2"/>
+              </a:rPr>
+            </a:br>
+            <a:r>
+              <a:rPr lang="en-US" dirty="0">
+                <a:sym typeface="Wingdings" panose="05000000000000000000" pitchFamily="2" charset="2"/>
+              </a:rPr>
+              <a:t>- </a:t>
+            </a:r>
+            <a:r>
+              <a:rPr lang="ru-RU" dirty="0" smtClean="0">
+                <a:sym typeface="Wingdings" panose="05000000000000000000" pitchFamily="2" charset="2"/>
+              </a:rPr>
+              <a:t>жрёт много ресурсов</a:t>
+            </a:r>
+            <a:br>
+              <a:rPr lang="ru-RU" dirty="0" smtClean="0">
+                <a:sym typeface="Wingdings" panose="05000000000000000000" pitchFamily="2" charset="2"/>
+              </a:rPr>
+            </a:br>
+            <a:r>
+              <a:rPr lang="ru-RU" dirty="0" smtClean="0">
+                <a:sym typeface="Wingdings" panose="05000000000000000000" pitchFamily="2" charset="2"/>
+              </a:rPr>
+              <a:t>- </a:t>
+            </a:r>
+            <a:r>
+              <a:rPr lang="en-US" dirty="0" smtClean="0">
+                <a:sym typeface="Wingdings" panose="05000000000000000000" pitchFamily="2" charset="2"/>
+              </a:rPr>
+              <a:t>vendor lock </a:t>
+            </a:r>
+            <a:r>
+              <a:rPr lang="ru-RU" dirty="0" smtClean="0">
+                <a:sym typeface="Wingdings" panose="05000000000000000000" pitchFamily="2" charset="2"/>
+              </a:rPr>
+              <a:t>среды разработки</a:t>
+            </a:r>
+            <a:br>
+              <a:rPr lang="ru-RU" dirty="0" smtClean="0">
+                <a:sym typeface="Wingdings" panose="05000000000000000000" pitchFamily="2" charset="2"/>
+              </a:rPr>
+            </a:br>
+            <a:r>
+              <a:rPr lang="ru-RU" dirty="0" smtClean="0">
+                <a:sym typeface="Wingdings" panose="05000000000000000000" pitchFamily="2" charset="2"/>
+              </a:rPr>
+              <a:t>- </a:t>
+            </a:r>
+            <a:r>
+              <a:rPr lang="ru-RU" dirty="0" err="1" smtClean="0">
+                <a:sym typeface="Wingdings" panose="05000000000000000000" pitchFamily="2" charset="2"/>
+              </a:rPr>
+              <a:t>заброшка</a:t>
+            </a:r>
+            <a:endParaRPr lang="en-US" dirty="0"/>
+          </a:p>
+        </p:txBody>
+      </p:sp>
+      <p:pic>
+        <p:nvPicPr>
+          <p:cNvPr id="4" name="Рисунок 3"/>
+          <p:cNvPicPr>
+            <a:picLocks noChangeAspect="1"/>
+          </p:cNvPicPr>
+          <p:nvPr/>
+        </p:nvPicPr>
+        <p:blipFill>
+          <a:blip r:embed="rId2"/>
+          <a:stretch>
+            <a:fillRect/>
+          </a:stretch>
+        </p:blipFill>
+        <p:spPr>
+          <a:xfrm>
+            <a:off x="3819524" y="2495550"/>
+            <a:ext cx="8054275" cy="3438904"/>
+          </a:xfrm>
+          <a:prstGeom prst="rect">
+            <a:avLst/>
+          </a:prstGeom>
+        </p:spPr>
+      </p:pic>
+    </p:spTree>
+    <p:extLst>
+      <p:ext uri="{BB962C8B-B14F-4D97-AF65-F5344CB8AC3E}">
+        <p14:creationId xmlns:p14="http://schemas.microsoft.com/office/powerpoint/2010/main" val="3167603573"/>
+      </p:ext>
+    </p:extLst>
+  </p:cSld>
+  <p:clrMapOvr>
+    <a:masterClrMapping/>
+  </p:clrMapOvr>
+</p:sld>
+</file>
+
+<file path=ppt/slides/slide6.xml><?xml version="1.0" encoding="utf-8"?>
+<p:sld xmlns:a="http://schemas.openxmlformats.org/drawingml/2006/main" xmlns:r="http://schemas.openxmlformats.org/officeDocument/2006/relationships" xmlns:p="http://schemas.openxmlformats.org/presentationml/2006/main">
+  <p:cSld>
+    <p:spTree>
+      <p:nvGrpSpPr>
+        <p:cNvPr id="1" name=""/>
+        <p:cNvGrpSpPr/>
+        <p:nvPr/>
+      </p:nvGrpSpPr>
+      <p:grpSpPr>
+        <a:xfrm>
+          <a:off x="0" y="0"/>
+          <a:ext cx="0" cy="0"/>
+          <a:chOff x="0" y="0"/>
+          <a:chExt cx="0" cy="0"/>
+        </a:xfrm>
+      </p:grpSpPr>
+      <p:pic>
+        <p:nvPicPr>
+          <p:cNvPr id="6" name="Рисунок 5"/>
+          <p:cNvPicPr>
+            <a:picLocks noChangeAspect="1"/>
+          </p:cNvPicPr>
+          <p:nvPr/>
+        </p:nvPicPr>
+        <p:blipFill>
+          <a:blip r:embed="rId2"/>
+          <a:stretch>
+            <a:fillRect/>
+          </a:stretch>
+        </p:blipFill>
+        <p:spPr>
+          <a:xfrm>
+            <a:off x="2019300" y="1214437"/>
+            <a:ext cx="8153400" cy="4429125"/>
+          </a:xfrm>
+          <a:prstGeom prst="rect">
+            <a:avLst/>
+          </a:prstGeom>
+        </p:spPr>
+      </p:pic>
+    </p:spTree>
+    <p:extLst>
+      <p:ext uri="{BB962C8B-B14F-4D97-AF65-F5344CB8AC3E}">
+        <p14:creationId xmlns:p14="http://schemas.microsoft.com/office/powerpoint/2010/main" val="3579807728"/>
+      </p:ext>
+    </p:extLst>
+  </p:cSld>
+  <p:clrMapOvr>
+    <a:masterClrMapping/>
+  </p:clrMapOvr>
+</p:sld>
+</file>
+
+<file path=ppt/slides/slide7.xml><?xml version="1.0" encoding="utf-8"?>
+<p:sld xmlns:a="http://schemas.openxmlformats.org/drawingml/2006/main" xmlns:r="http://schemas.openxmlformats.org/officeDocument/2006/relationships" xmlns:p="http://schemas.openxmlformats.org/presentationml/2006/main">
+  <p:cSld>
+    <p:spTree>
+      <p:nvGrpSpPr>
+        <p:cNvPr id="1" name=""/>
+        <p:cNvGrpSpPr/>
+        <p:nvPr/>
+      </p:nvGrpSpPr>
+      <p:grpSpPr>
+        <a:xfrm>
+          <a:off x="0" y="0"/>
+          <a:ext cx="0" cy="0"/>
+          <a:chOff x="0" y="0"/>
+          <a:chExt cx="0" cy="0"/>
+        </a:xfrm>
+      </p:grpSpPr>
+      <p:pic>
+        <p:nvPicPr>
+          <p:cNvPr id="2" name="Рисунок 1"/>
+          <p:cNvPicPr>
+            <a:picLocks noChangeAspect="1"/>
+          </p:cNvPicPr>
+          <p:nvPr/>
+        </p:nvPicPr>
+        <p:blipFill>
+          <a:blip r:embed="rId2"/>
+          <a:stretch>
+            <a:fillRect/>
+          </a:stretch>
+        </p:blipFill>
+        <p:spPr>
+          <a:xfrm>
+            <a:off x="1190625" y="712295"/>
+            <a:ext cx="9711699" cy="5912928"/>
+          </a:xfrm>
+          <a:prstGeom prst="rect">
+            <a:avLst/>
+          </a:prstGeom>
+        </p:spPr>
+      </p:pic>
+    </p:spTree>
+    <p:extLst>
+      <p:ext uri="{BB962C8B-B14F-4D97-AF65-F5344CB8AC3E}">
+        <p14:creationId xmlns:p14="http://schemas.microsoft.com/office/powerpoint/2010/main" val="3506943348"/>
+      </p:ext>
+    </p:extLst>
+  </p:cSld>
+  <p:clrMapOvr>
+    <a:masterClrMapping/>
+  </p:clrMapOvr>
+</p:sld>
+</file>
+
+<file path=ppt/slides/slide8.xml><?xml version="1.0" encoding="utf-8"?>
+<p:sld xmlns:a="http://schemas.openxmlformats.org/drawingml/2006/main" xmlns:r="http://schemas.openxmlformats.org/officeDocument/2006/relationships" xmlns:p="http://schemas.openxmlformats.org/presentationml/2006/main">
+  <p:cSld>
+    <p:spTree>
+      <p:nvGrpSpPr>
+        <p:cNvPr id="1" name=""/>
+        <p:cNvGrpSpPr/>
+        <p:nvPr/>
+      </p:nvGrpSpPr>
+      <p:grpSpPr>
+        <a:xfrm>
+          <a:off x="0" y="0"/>
+          <a:ext cx="0" cy="0"/>
+          <a:chOff x="0" y="0"/>
+          <a:chExt cx="0" cy="0"/>
+        </a:xfrm>
+      </p:grpSpPr>
+      <p:pic>
+        <p:nvPicPr>
+          <p:cNvPr id="2" name="Рисунок 1"/>
+          <p:cNvPicPr>
+            <a:picLocks noChangeAspect="1"/>
+          </p:cNvPicPr>
+          <p:nvPr/>
+        </p:nvPicPr>
+        <p:blipFill>
+          <a:blip r:embed="rId2"/>
+          <a:stretch>
+            <a:fillRect/>
+          </a:stretch>
+        </p:blipFill>
+        <p:spPr>
+          <a:xfrm>
+            <a:off x="137626" y="999734"/>
+            <a:ext cx="11712651" cy="3886591"/>
+          </a:xfrm>
+          <a:prstGeom prst="rect">
+            <a:avLst/>
+          </a:prstGeom>
+        </p:spPr>
+      </p:pic>
+    </p:spTree>
+    <p:extLst>
+      <p:ext uri="{BB962C8B-B14F-4D97-AF65-F5344CB8AC3E}">
+        <p14:creationId xmlns:p14="http://schemas.microsoft.com/office/powerpoint/2010/main" val="3712007969"/>
+      </p:ext>
+    </p:extLst>
+  </p:cSld>
+  <p:clrMapOvr>
+    <a:masterClrMapping/>
+  </p:clrMapOvr>
+</p:sld>
+</file>
+
+<file path=ppt/slides/slide9.xml><?xml version="1.0" encoding="utf-8"?>
+<p:sld xmlns:a="http://schemas.openxmlformats.org/drawingml/2006/main" xmlns:r="http://schemas.openxmlformats.org/officeDocument/2006/relationships" xmlns:p="http://schemas.openxmlformats.org/presentationml/2006/main">
+  <p:cSld>
+    <p:spTree>
+      <p:nvGrpSpPr>
+        <p:cNvPr id="1" name=""/>
+        <p:cNvGrpSpPr/>
+        <p:nvPr/>
+      </p:nvGrpSpPr>
+      <p:grpSpPr>
+        <a:xfrm>
+          <a:off x="0" y="0"/>
+          <a:ext cx="0" cy="0"/>
+          <a:chOff x="0" y="0"/>
+          <a:chExt cx="0" cy="0"/>
+        </a:xfrm>
+      </p:grpSpPr>
+      <p:pic>
+        <p:nvPicPr>
+          <p:cNvPr id="4" name="Рисунок 3"/>
+          <p:cNvPicPr>
+            <a:picLocks noChangeAspect="1"/>
+          </p:cNvPicPr>
+          <p:nvPr/>
+        </p:nvPicPr>
+        <p:blipFill>
+          <a:blip r:embed="rId2"/>
+          <a:stretch>
+            <a:fillRect/>
+          </a:stretch>
+        </p:blipFill>
+        <p:spPr>
+          <a:xfrm>
+            <a:off x="647700" y="762765"/>
+            <a:ext cx="10929937" cy="5895209"/>
+          </a:xfrm>
+          <a:prstGeom prst="rect">
+            <a:avLst/>
+          </a:prstGeom>
+        </p:spPr>
+      </p:pic>
+      <p:sp>
+        <p:nvSpPr>
+          <p:cNvPr id="5" name="TextBox 4"/>
+          <p:cNvSpPr txBox="1"/>
+          <p:nvPr/>
+        </p:nvSpPr>
+        <p:spPr>
+          <a:xfrm>
+            <a:off x="7366000" y="5422900"/>
+            <a:ext cx="3975100" cy="369332"/>
+          </a:xfrm>
+          <a:prstGeom prst="rect">
+            <a:avLst/>
+          </a:prstGeom>
+          <a:noFill/>
+        </p:spPr>
+        <p:txBody>
+          <a:bodyPr wrap="square" rtlCol="0">
+            <a:spAutoFit/>
+          </a:bodyPr>
+          <a:lstStyle/>
+          <a:p>
+            <a:r>
+              <a:rPr lang="ru-RU" b="1" dirty="0" smtClean="0">
+                <a:solidFill>
+                  <a:srgbClr val="FF0000"/>
+                </a:solidFill>
+              </a:rPr>
+              <a:t>Осознание проблемы</a:t>
+            </a:r>
+            <a:endParaRPr lang="ru-RU" b="1" dirty="0">
+              <a:solidFill>
+                <a:srgbClr val="FF0000"/>
+              </a:solidFill>
+            </a:endParaRPr>
+          </a:p>
+        </p:txBody>
+      </p:sp>
+    </p:spTree>
+    <p:extLst>
+      <p:ext uri="{BB962C8B-B14F-4D97-AF65-F5344CB8AC3E}">
+        <p14:creationId xmlns:p14="http://schemas.microsoft.com/office/powerpoint/2010/main" val="833764086"/>
+      </p:ext>
+    </p:extLst>
+  </p:cSld>
+  <p:clrMapOvr>
+    <a:masterClrMapping/>
+  </p:clrMapOvr>
 </p:sld>
 </file>
 
